--- a/Skript-Folien/QM1-Thema11.pptx
+++ b/Skript-Folien/QM1-Thema11.pptx
@@ -9375,7 +9375,7 @@
       </p:grpSpPr>
       <p:sp>
         <p:nvSpPr>
-          <p:cNvPr id="370" name="Eine metrische plus eine nominale UV"/>
+          <p:cNvPr id="372" name="Eine metrische plus eine nominale UV"/>
           <p:cNvSpPr txBox="1"/>
           <p:nvPr>
             <p:ph type="title"/>
@@ -9399,7 +9399,7 @@
       </p:sp>
       <p:sp>
         <p:nvSpPr>
-          <p:cNvPr id="371" name="Foliennummer"/>
+          <p:cNvPr id="373" name="Foliennummer"/>
           <p:cNvSpPr txBox="1"/>
           <p:nvPr>
             <p:ph type="sldNum" sz="quarter" idx="2"/>
@@ -9452,7 +9452,7 @@
       </p:grpSpPr>
       <p:sp>
         <p:nvSpPr>
-          <p:cNvPr id="373" name="Vorhersage mit zwei Prädiktoren"/>
+          <p:cNvPr id="375" name="Vorhersage mit zwei Prädiktoren"/>
           <p:cNvSpPr txBox="1"/>
           <p:nvPr>
             <p:ph type="body" sz="quarter" idx="1"/>
@@ -9476,7 +9476,7 @@
       </p:sp>
       <p:sp>
         <p:nvSpPr>
-          <p:cNvPr id="374" name="Textebene 1"/>
+          <p:cNvPr id="376" name="Textebene 1"/>
           <p:cNvSpPr txBox="1"/>
           <p:nvPr>
             <p:ph type="body" idx="21"/>
@@ -9505,20 +9505,44 @@
               </a:defRPr>
             </a:pPr>
             <a:r>
-              <a:t>kidiq ~ mom_iq + mom_hs</a:t>
-            </a:r>
-          </a:p>
-          <a:p>
-            <a:pPr/>
-            <a:r>
-              <a:t>Wir sagen den IQ des Kindes vorher in Abhängigkeit von (als Funktion von) der IQ der Mutter sowie der Tatsache, ob die Mutter einen Schulabschluss besitzt.</a:t>
-            </a:r>
-          </a:p>
-        </p:txBody>
-      </p:sp>
-      <p:sp>
-        <p:nvSpPr>
-          <p:cNvPr id="375" name="Foliennummer"/>
+              <a:t>m3: kidiq ~ mom_iq + mom_hs</a:t>
+            </a:r>
+          </a:p>
+          <a:p>
+            <a:pPr/>
+            <a:r>
+              <a:t>Wir sagen den IQ des Kindes vorher in </a:t>
+            </a:r>
+            <a:r>
+              <a:rPr>
+                <a:latin typeface="Roboto Condensed Bold"/>
+                <a:ea typeface="Roboto Condensed Bold"/>
+                <a:cs typeface="Roboto Condensed Bold"/>
+                <a:sym typeface="Roboto Condensed Bold"/>
+              </a:rPr>
+              <a:t>Abhängigkeit</a:t>
+            </a:r>
+            <a:r>
+              <a:t> von (als </a:t>
+            </a:r>
+            <a:r>
+              <a:rPr>
+                <a:latin typeface="Roboto Condensed Bold"/>
+                <a:ea typeface="Roboto Condensed Bold"/>
+                <a:cs typeface="Roboto Condensed Bold"/>
+                <a:sym typeface="Roboto Condensed Bold"/>
+              </a:rPr>
+              <a:t>Funktion</a:t>
+            </a:r>
+            <a:r>
+              <a:t> von) der IQ der Mutter sowie der Tatsache, ob die Mutter einen Schulabschluss besitzt.</a:t>
+            </a:r>
+          </a:p>
+        </p:txBody>
+      </p:sp>
+      <p:sp>
+        <p:nvSpPr>
+          <p:cNvPr id="377" name="Foliennummer"/>
           <p:cNvSpPr txBox="1"/>
           <p:nvPr>
             <p:ph type="sldNum" sz="quarter" idx="2"/>
@@ -9549,7 +9573,7 @@
       </p:sp>
       <p:pic>
         <p:nvPicPr>
-          <p:cNvPr id="376" name="Bild" descr="Bild"/>
+          <p:cNvPr id="378" name="Bild" descr="Bild"/>
           <p:cNvPicPr>
             <a:picLocks noChangeAspect="1"/>
           </p:cNvPicPr>
@@ -9565,8 +9589,8 @@
         </p:blipFill>
         <p:spPr>
           <a:xfrm>
-            <a:off x="88900" y="4196664"/>
-            <a:ext cx="13004800" cy="3239872"/>
+            <a:off x="88900" y="4196663"/>
+            <a:ext cx="13004800" cy="3239873"/>
           </a:xfrm>
           <a:prstGeom prst="rect">
             <a:avLst/>
@@ -9604,7 +9628,7 @@
       </p:grpSpPr>
       <p:sp>
         <p:nvSpPr>
-          <p:cNvPr id="378" name="Ein metrischer Prädiktor"/>
+          <p:cNvPr id="380" name="Ein metrischer Prädiktor"/>
           <p:cNvSpPr txBox="1"/>
           <p:nvPr>
             <p:ph type="body" sz="quarter" idx="1"/>
@@ -9628,7 +9652,7 @@
       </p:sp>
       <p:sp>
         <p:nvSpPr>
-          <p:cNvPr id="379" name="Textebene 1"/>
+          <p:cNvPr id="381" name="Textebene 1"/>
           <p:cNvSpPr txBox="1"/>
           <p:nvPr>
             <p:ph type="body" idx="21"/>
@@ -9662,6 +9686,12 @@
           <a:p>
             <a:pPr/>
             <a:r>
+              <a:t>Dieser Unterschied („statistischer Effekt“) spiegelt sich in der Steigung der Regressionsgeraden wider (b1 = 0.6).</a:t>
+            </a:r>
+          </a:p>
+          <a:p>
+            <a:pPr/>
+            <a:r>
               <a:t>Der Achsenabschnitt hilft uns nicht weiter, da es keine Menschen mit einem IQ von 0 gibt.</a:t>
             </a:r>
           </a:p>
@@ -9669,7 +9699,7 @@
       </p:sp>
       <p:sp>
         <p:nvSpPr>
-          <p:cNvPr id="380" name="Foliennummer"/>
+          <p:cNvPr id="382" name="Foliennummer"/>
           <p:cNvSpPr txBox="1"/>
           <p:nvPr>
             <p:ph type="sldNum" sz="quarter" idx="2"/>
@@ -9696,14 +9726,14 @@
       </p:sp>
       <p:sp>
         <p:nvSpPr>
-          <p:cNvPr id="381" name="kid_score = 26 + 0.6 * mom_iq + error"/>
+          <p:cNvPr id="383" name="kid_score = 26 + 0.6 * mom_iq + error"/>
           <p:cNvSpPr txBox="1"/>
           <p:nvPr/>
         </p:nvSpPr>
         <p:spPr>
           <a:xfrm>
             <a:off x="269753" y="1865377"/>
-            <a:ext cx="5782465" cy="1298446"/>
+            <a:ext cx="5782465" cy="1298447"/>
           </a:xfrm>
           <a:prstGeom prst="rect">
             <a:avLst/>
@@ -9767,7 +9797,7 @@
       </p:sp>
       <p:pic>
         <p:nvPicPr>
-          <p:cNvPr id="382" name="Bild" descr="Bild"/>
+          <p:cNvPr id="384" name="Bild" descr="Bild"/>
           <p:cNvPicPr>
             <a:picLocks noChangeAspect="1"/>
           </p:cNvPicPr>
@@ -9822,7 +9852,7 @@
       </p:grpSpPr>
       <p:sp>
         <p:nvSpPr>
-          <p:cNvPr id="384" name="Metrischer plus binärer Prädiktor"/>
+          <p:cNvPr id="386" name="Metrischer plus binärer Prädiktor – Interpretation"/>
           <p:cNvSpPr txBox="1"/>
           <p:nvPr>
             <p:ph type="body" sz="quarter" idx="1"/>
@@ -9839,14 +9869,14 @@
           <a:p>
             <a:pPr/>
             <a:r>
-              <a:t>Metrischer plus binärer Prädiktor</a:t>
-            </a:r>
-          </a:p>
-        </p:txBody>
-      </p:sp>
-      <p:sp>
-        <p:nvSpPr>
-          <p:cNvPr id="385" name="Textebene 1"/>
+              <a:t>Metrischer plus binärer Prädiktor – Interpretation</a:t>
+            </a:r>
+          </a:p>
+        </p:txBody>
+      </p:sp>
+      <p:sp>
+        <p:nvSpPr>
+          <p:cNvPr id="387" name="Textebene 1"/>
           <p:cNvSpPr txBox="1"/>
           <p:nvPr>
             <p:ph type="body" idx="21"/>
@@ -9914,7 +9944,7 @@
       </p:sp>
       <p:sp>
         <p:nvSpPr>
-          <p:cNvPr id="386" name="Foliennummer"/>
+          <p:cNvPr id="388" name="Foliennummer"/>
           <p:cNvSpPr txBox="1"/>
           <p:nvPr>
             <p:ph type="sldNum" sz="quarter" idx="2"/>
@@ -9941,7 +9971,7 @@
       </p:sp>
       <p:pic>
         <p:nvPicPr>
-          <p:cNvPr id="387" name="Bild" descr="Bild"/>
+          <p:cNvPr id="389" name="Bild" descr="Bild"/>
           <p:cNvPicPr>
             <a:picLocks noChangeAspect="1"/>
           </p:cNvPicPr>
@@ -9970,14 +10000,14 @@
       </p:pic>
       <p:sp>
         <p:nvSpPr>
-          <p:cNvPr id="388" name="m3: kid_score = 26 + mom_hs + 0.6*mom_iq + error"/>
+          <p:cNvPr id="390" name="m3: kid_score = 26 + mom_hs + 0.6*mom_iq + error"/>
           <p:cNvSpPr txBox="1"/>
           <p:nvPr/>
         </p:nvSpPr>
         <p:spPr>
           <a:xfrm>
-            <a:off x="516969" y="8637791"/>
-            <a:ext cx="7459138" cy="434847"/>
+            <a:off x="516969" y="8637792"/>
+            <a:ext cx="7459137" cy="434847"/>
           </a:xfrm>
           <a:prstGeom prst="rect">
             <a:avLst/>
@@ -10020,7 +10050,7 @@
       </p:sp>
       <p:pic>
         <p:nvPicPr>
-          <p:cNvPr id="389" name="Bild" descr="Bild"/>
+          <p:cNvPr id="391" name="Bild" descr="Bild"/>
           <p:cNvPicPr>
             <a:picLocks noChangeAspect="1"/>
           </p:cNvPicPr>
@@ -10075,7 +10105,7 @@
       </p:grpSpPr>
       <p:sp>
         <p:nvSpPr>
-          <p:cNvPr id="391" name="Multiple Regression"/>
+          <p:cNvPr id="393" name="Multiple Regression"/>
           <p:cNvSpPr txBox="1"/>
           <p:nvPr>
             <p:ph type="title"/>
@@ -10099,7 +10129,7 @@
       </p:sp>
       <p:sp>
         <p:nvSpPr>
-          <p:cNvPr id="392" name="Foliennummer"/>
+          <p:cNvPr id="394" name="Foliennummer"/>
           <p:cNvSpPr txBox="1"/>
           <p:nvPr>
             <p:ph type="sldNum" sz="quarter" idx="2"/>
@@ -10152,7 +10182,7 @@
       </p:grpSpPr>
       <p:sp>
         <p:nvSpPr>
-          <p:cNvPr id="394" name="Regression mit mehreren Prädiktoren"/>
+          <p:cNvPr id="396" name="Regression mit mehreren Prädiktoren"/>
           <p:cNvSpPr txBox="1"/>
           <p:nvPr>
             <p:ph type="body" sz="quarter" idx="1"/>
@@ -10176,13 +10206,17 @@
       </p:sp>
       <p:sp>
         <p:nvSpPr>
-          <p:cNvPr id="395" name="Textebene 1"/>
+          <p:cNvPr id="397" name="Textebene 1"/>
           <p:cNvSpPr txBox="1"/>
           <p:nvPr>
             <p:ph type="body" idx="21"/>
           </p:nvPr>
         </p:nvSpPr>
         <p:spPr>
+          <a:xfrm>
+            <a:off x="6238180" y="1905000"/>
+            <a:ext cx="6760469" cy="7010400"/>
+          </a:xfrm>
           <a:prstGeom prst="rect">
             <a:avLst/>
           </a:prstGeom>
@@ -10196,11 +10230,11 @@
           <a:bodyPr/>
           <a:lstStyle/>
           <a:p>
-            <a:pPr marL="304800" marR="121919" indent="-304800" defTabSz="1248460">
+            <a:pPr marL="307975" marR="123190" indent="-307975" defTabSz="1261465">
               <a:spcBef>
                 <a:spcPts val="900"/>
               </a:spcBef>
-              <a:defRPr sz="1919"/>
+              <a:defRPr sz="1940"/>
             </a:pPr>
             <a:r>
               <a:t>Bei einer </a:t>
@@ -10243,25 +10277,25 @@
             </a:r>
           </a:p>
           <a:p>
-            <a:pPr marL="304800" marR="121919" indent="-304800" defTabSz="1248460">
+            <a:pPr marL="307975" marR="123190" indent="-307975" defTabSz="1261465">
               <a:spcBef>
                 <a:spcPts val="900"/>
               </a:spcBef>
-              <a:defRPr sz="1919"/>
+              <a:defRPr sz="1940"/>
             </a:pPr>
             <a:r>
               <a:t>Multiple Regressionsanalysen sind dann sinnvoll, wenn die Vorhersagegüte steigt durch Hinzunahme weiterer Prädiktoren.</a:t>
             </a:r>
           </a:p>
           <a:p>
-            <a:pPr marL="304800" marR="121919" indent="-304800" defTabSz="1248460">
+            <a:pPr marL="307975" marR="123190" indent="-307975" defTabSz="1261465">
               <a:spcBef>
                 <a:spcPts val="900"/>
               </a:spcBef>
-              <a:defRPr sz="1919"/>
+              <a:defRPr sz="1940"/>
             </a:pPr>
             <a:r>
-              <a:t>Jeder Prädiktor hat dabei ein </a:t>
+              <a:t>Jeder Prädiktor hat dabei ein eigenes </a:t>
             </a:r>
             <a:r>
               <a:rPr>
@@ -10285,52 +10319,58 @@
               <a:t>bereinigt</a:t>
             </a:r>
             <a:r>
-              <a:t> von den Werten der anderen Prädiktoren. Eine multiple Regression ist mehreren einfachen Regressionen daher vorzuziehen.</a:t>
-            </a:r>
-          </a:p>
-          <a:p>
-            <a:pPr marL="304800" marR="121919" indent="-304800" defTabSz="1248460">
+              <a:t> von den Werten der anderen Prädiktoren. </a:t>
+            </a:r>
+          </a:p>
+          <a:p>
+            <a:pPr marL="307975" marR="123190" indent="-307975" defTabSz="1261465">
               <a:spcBef>
                 <a:spcPts val="900"/>
               </a:spcBef>
-              <a:defRPr sz="1919"/>
+              <a:defRPr sz="1940"/>
             </a:pPr>
             <a:r>
-              <a:t>Das bedeutet, man betrachtet den den Zusammenhang eines Prädiktors mit der AV, wobei man gleichzeitig den anderen Prädiktor konstant hält.</a:t>
-            </a:r>
-          </a:p>
-          <a:p>
-            <a:pPr marL="304800" marR="121919" indent="-304800" defTabSz="1248460">
+              <a:t>Eine multiple Regression ist mehreren einfachen Regressionen daher vorzuziehen, sofern die Prädiktoren mit der UV korreliert sind.</a:t>
+            </a:r>
+          </a:p>
+          <a:p>
+            <a:pPr marL="307975" marR="123190" indent="-307975" defTabSz="1261465">
               <a:spcBef>
                 <a:spcPts val="900"/>
               </a:spcBef>
-              <a:defRPr sz="1919"/>
+              <a:defRPr sz="1940"/>
             </a:pPr>
             <a:r>
-              <a:t>Bei zwei Prädiktorvariablen kann man</a:t>
+              <a:t>„Bereinigt“ bedeutet, dass das Regressionsgewicht b</a:t>
+            </a:r>
+            <a:r>
+              <a:rPr baseline="-5999"/>
+              <a:t>x</a:t>
+            </a:r>
+            <a:r>
+              <a:t> den Y-Wert für x=1 angibt, wobei die übrigen Prädiktoren mit Wert 0 angenommen werden.</a:t>
+            </a:r>
+          </a:p>
+          <a:p>
+            <a:pPr marL="307975" marR="123190" indent="-307975" defTabSz="1261465">
+              <a:spcBef>
+                <a:spcPts val="900"/>
+              </a:spcBef>
+              <a:defRPr sz="1940"/>
+            </a:pPr>
+            <a:r>
+              <a:t>Bei zwei Prädiktorvariablen kann man sich das Modell als Ebene im Raum vorstellen (anstelle einer Geraden): stellen Sie </a:t>
             </a:r>
             <a:br/>
             <a:r>
-              <a:t>sich das Modell als Ebene im Raum </a:t>
-            </a:r>
-            <a:br/>
-            <a:r>
-              <a:t>vorstellen (anstelle einer Geraden): stellen Sie </a:t>
-            </a:r>
-            <a:br/>
-            <a:r>
-              <a:t>sich ein Blatt Papier vor, das durch einen </a:t>
-            </a:r>
-            <a:br/>
-            <a:r>
-              <a:t>Bienenschwarm gelegt wird.</a:t>
-            </a:r>
-          </a:p>
-        </p:txBody>
-      </p:sp>
-      <p:sp>
-        <p:nvSpPr>
-          <p:cNvPr id="396" name="Foliennummer"/>
+              <a:t>sich ein Blatt Papier vor, das „mittig“ durch einen Bienenschwarm gelegt wird.</a:t>
+            </a:r>
+          </a:p>
+        </p:txBody>
+      </p:sp>
+      <p:sp>
+        <p:nvSpPr>
+          <p:cNvPr id="398" name="Foliennummer"/>
           <p:cNvSpPr txBox="1"/>
           <p:nvPr>
             <p:ph type="sldNum" sz="quarter" idx="2"/>
@@ -10357,7 +10397,7 @@
       </p:sp>
       <p:sp>
         <p:nvSpPr>
-          <p:cNvPr id="397" name="Gleichung"/>
+          <p:cNvPr id="399" name="Gleichung"/>
           <p:cNvSpPr txBox="1"/>
           <p:nvPr/>
         </p:nvSpPr>
@@ -10705,7 +10745,7 @@
       </p:sp>
       <p:pic>
         <p:nvPicPr>
-          <p:cNvPr id="398" name="Bild" descr="Bild"/>
+          <p:cNvPr id="400" name="Bild" descr="Bild"/>
           <p:cNvPicPr>
             <a:picLocks noChangeAspect="1"/>
           </p:cNvPicPr>
@@ -10734,14 +10774,14 @@
       </p:pic>
       <p:sp>
         <p:nvSpPr>
-          <p:cNvPr id="399" name="3D-Diagramm interaktiv"/>
+          <p:cNvPr id="401" name="3D-Diagramm interaktiv"/>
           <p:cNvSpPr txBox="1"/>
           <p:nvPr/>
         </p:nvSpPr>
         <p:spPr>
           <a:xfrm>
-            <a:off x="312851" y="8215377"/>
-            <a:ext cx="2803298" cy="434846"/>
+            <a:off x="312851" y="8215376"/>
+            <a:ext cx="2803298" cy="434847"/>
           </a:xfrm>
           <a:prstGeom prst="rect">
             <a:avLst/>
@@ -10822,7 +10862,7 @@
       </p:grpSpPr>
       <p:sp>
         <p:nvSpPr>
-          <p:cNvPr id="401" name="Modell mit zwei Prädiktoren"/>
+          <p:cNvPr id="403" name="Modell mit zwei Prädiktoren (metrisch, binär)"/>
           <p:cNvSpPr txBox="1"/>
           <p:nvPr>
             <p:ph type="body" sz="quarter" idx="1"/>
@@ -10839,20 +10879,24 @@
           <a:p>
             <a:pPr/>
             <a:r>
-              <a:t>Modell mit zwei Prädiktoren</a:t>
-            </a:r>
-          </a:p>
-        </p:txBody>
-      </p:sp>
-      <p:sp>
-        <p:nvSpPr>
-          <p:cNvPr id="402" name="Textebene 1"/>
+              <a:t>Modell mit zwei Prädiktoren (metrisch, binär)</a:t>
+            </a:r>
+          </a:p>
+        </p:txBody>
+      </p:sp>
+      <p:sp>
+        <p:nvSpPr>
+          <p:cNvPr id="404" name="Textebene 1"/>
           <p:cNvSpPr txBox="1"/>
           <p:nvPr>
             <p:ph type="body" idx="21"/>
           </p:nvPr>
         </p:nvSpPr>
         <p:spPr>
+          <a:xfrm>
+            <a:off x="6250880" y="1701800"/>
+            <a:ext cx="6760469" cy="6350000"/>
+          </a:xfrm>
           <a:prstGeom prst="rect">
             <a:avLst/>
           </a:prstGeom>
@@ -10868,20 +10912,127 @@
           <a:p>
             <a:pPr/>
             <a:r>
-              <a:t>Wir sagen Spritverbrauch vorher auf Basis zweier Prädiktoren: hp und am.</a:t>
-            </a:r>
-          </a:p>
-          <a:p>
-            <a:pPr/>
-            <a:r>
-              <a:t>Jeder (der drei) Modellkoeffizient (b0, b1, b2) gibt den Wert für mpg (Y) an, unter der Bedingung, dass die anderen Modellkoeffizienten Null sind.</a:t>
-            </a:r>
-          </a:p>
-        </p:txBody>
-      </p:sp>
-      <p:sp>
-        <p:nvSpPr>
-          <p:cNvPr id="403" name="Foliennummer"/>
+              <a:t>Wir sagen Spritverbrauch (</a:t>
+            </a:r>
+            <a:r>
+              <a:rPr>
+                <a:latin typeface="Courier"/>
+                <a:ea typeface="Courier"/>
+                <a:cs typeface="Courier"/>
+                <a:sym typeface="Courier"/>
+              </a:rPr>
+              <a:t>mpg</a:t>
+            </a:r>
+            <a:r>
+              <a:t>) vorher auf Basis zweier Prädiktoren: </a:t>
+            </a:r>
+            <a:r>
+              <a:rPr>
+                <a:latin typeface="Courier"/>
+                <a:ea typeface="Courier"/>
+                <a:cs typeface="Courier"/>
+                <a:sym typeface="Courier"/>
+              </a:rPr>
+              <a:t>hp</a:t>
+            </a:r>
+            <a:r>
+              <a:t> (metrisch) und </a:t>
+            </a:r>
+            <a:r>
+              <a:rPr>
+                <a:latin typeface="Courier"/>
+                <a:ea typeface="Courier"/>
+                <a:cs typeface="Courier"/>
+                <a:sym typeface="Courier"/>
+              </a:rPr>
+              <a:t>am </a:t>
+            </a:r>
+            <a:r>
+              <a:t>(binär).</a:t>
+            </a:r>
+          </a:p>
+          <a:p>
+            <a:pPr/>
+            <a:r>
+              <a:t>Jeder (der drei) Modellkoeffizienten (b0, b1, b2) gibt den Wert für </a:t>
+            </a:r>
+            <a:r>
+              <a:rPr>
+                <a:latin typeface="Courier"/>
+                <a:ea typeface="Courier"/>
+                <a:cs typeface="Courier"/>
+                <a:sym typeface="Courier"/>
+              </a:rPr>
+              <a:t>mpg</a:t>
+            </a:r>
+            <a:r>
+              <a:t> (Y) an, unter der Bedingung, dass die anderen Modellkoeffizienten Null sind.</a:t>
+            </a:r>
+          </a:p>
+          <a:p>
+            <a:pPr/>
+            <a:r>
+              <a:t>Die Geraden sind parallel.</a:t>
+            </a:r>
+          </a:p>
+          <a:p>
+            <a:pPr/>
+            <a:r>
+              <a:t>b</a:t>
+            </a:r>
+            <a:r>
+              <a:rPr baseline="-5999"/>
+              <a:t>hp</a:t>
+            </a:r>
+            <a:r>
+              <a:t>: Der mpg-Wert unterscheidet um b</a:t>
+            </a:r>
+            <a:r>
+              <a:rPr baseline="-5999"/>
+              <a:t>hp</a:t>
+            </a:r>
+            <a:r>
+              <a:t> mpg-Einheiten, bei Autos, die sich um eine hp-Einheit unterscheiden.</a:t>
+            </a:r>
+          </a:p>
+          <a:p>
+            <a:pPr/>
+            <a:r>
+              <a:t>b</a:t>
+            </a:r>
+            <a:r>
+              <a:rPr baseline="-5999"/>
+              <a:t>am</a:t>
+            </a:r>
+            <a:r>
+              <a:t>: Der mpg-Wert unterscheidet um b</a:t>
+            </a:r>
+            <a:r>
+              <a:rPr baseline="-5999"/>
+              <a:t>am</a:t>
+            </a:r>
+            <a:r>
+              <a:t> mpg-Einheiten, bei Autos, die sich um eine am-Einheit unterscheiden.</a:t>
+            </a:r>
+          </a:p>
+          <a:p>
+            <a:pPr/>
+            <a:r>
+              <a:t>b</a:t>
+            </a:r>
+            <a:r>
+              <a:rPr baseline="-5999"/>
+              <a:t>0</a:t>
+            </a:r>
+            <a:r>
+              <a:t>: Der mpg-Wert von Autos mit hp = 0 und am = 0.</a:t>
+            </a:r>
+          </a:p>
+        </p:txBody>
+      </p:sp>
+      <p:sp>
+        <p:nvSpPr>
+          <p:cNvPr id="405" name="Foliennummer"/>
           <p:cNvSpPr txBox="1"/>
           <p:nvPr>
             <p:ph type="sldNum" sz="quarter" idx="2"/>
@@ -10906,44 +11057,15 @@
           </a:p>
         </p:txBody>
       </p:sp>
-      <p:pic>
-        <p:nvPicPr>
-          <p:cNvPr id="404" name="Bild" descr="Bild"/>
-          <p:cNvPicPr>
-            <a:picLocks noChangeAspect="1"/>
-          </p:cNvPicPr>
-          <p:nvPr/>
-        </p:nvPicPr>
-        <p:blipFill>
-          <a:blip r:embed="rId2">
-            <a:extLst/>
-          </a:blip>
-          <a:stretch>
-            <a:fillRect/>
-          </a:stretch>
-        </p:blipFill>
-        <p:spPr>
-          <a:xfrm>
-            <a:off x="718148" y="1876332"/>
-            <a:ext cx="4181236" cy="4055799"/>
-          </a:xfrm>
-          <a:prstGeom prst="rect">
-            <a:avLst/>
-          </a:prstGeom>
-          <a:ln w="12700">
-            <a:miter lim="400000"/>
-          </a:ln>
-        </p:spPr>
-      </p:pic>
-      <p:sp>
-        <p:nvSpPr>
-          <p:cNvPr id="405" name="Gleichung"/>
+      <p:sp>
+        <p:nvSpPr>
+          <p:cNvPr id="406" name="Gleichung"/>
           <p:cNvSpPr txBox="1"/>
           <p:nvPr/>
         </p:nvSpPr>
         <p:spPr>
           <a:xfrm>
-            <a:off x="897104" y="7581655"/>
+            <a:off x="897104" y="8508755"/>
             <a:ext cx="4047206" cy="359136"/>
           </a:xfrm>
           <a:prstGeom prst="rect">
@@ -11132,7 +11254,36 @@
       </p:sp>
       <p:pic>
         <p:nvPicPr>
-          <p:cNvPr id="406" name="Bild" descr="Bild"/>
+          <p:cNvPr id="407" name="Bild" descr="Bild"/>
+          <p:cNvPicPr>
+            <a:picLocks noChangeAspect="1"/>
+          </p:cNvPicPr>
+          <p:nvPr/>
+        </p:nvPicPr>
+        <p:blipFill>
+          <a:blip r:embed="rId2">
+            <a:extLst/>
+          </a:blip>
+          <a:stretch>
+            <a:fillRect/>
+          </a:stretch>
+        </p:blipFill>
+        <p:spPr>
+          <a:xfrm>
+            <a:off x="7190513" y="6299524"/>
+            <a:ext cx="4047207" cy="2804524"/>
+          </a:xfrm>
+          <a:prstGeom prst="rect">
+            <a:avLst/>
+          </a:prstGeom>
+          <a:ln w="12700">
+            <a:miter lim="400000"/>
+          </a:ln>
+        </p:spPr>
+      </p:pic>
+      <p:pic>
+        <p:nvPicPr>
+          <p:cNvPr id="408" name="Bild" descr="Bild"/>
           <p:cNvPicPr>
             <a:picLocks noChangeAspect="1"/>
           </p:cNvPicPr>
@@ -11148,8 +11299,8 @@
         </p:blipFill>
         <p:spPr>
           <a:xfrm>
-            <a:off x="6083300" y="4616450"/>
-            <a:ext cx="5852920" cy="4055798"/>
+            <a:off x="1061073" y="2087349"/>
+            <a:ext cx="3719268" cy="5578902"/>
           </a:xfrm>
           <a:prstGeom prst="rect">
             <a:avLst/>
@@ -11187,7 +11338,7 @@
       </p:grpSpPr>
       <p:sp>
         <p:nvSpPr>
-          <p:cNvPr id="408" name="Welches Modell liefert wohl bessere Vorhersagen?"/>
+          <p:cNvPr id="410" name="Welches Modell liefert wohl bessere Vorhersagen?"/>
           <p:cNvSpPr txBox="1"/>
           <p:nvPr>
             <p:ph type="body" sz="quarter" idx="1"/>
@@ -11211,7 +11362,7 @@
       </p:sp>
       <p:sp>
         <p:nvSpPr>
-          <p:cNvPr id="409" name="Foliennummer"/>
+          <p:cNvPr id="411" name="Foliennummer"/>
           <p:cNvSpPr txBox="1"/>
           <p:nvPr>
             <p:ph type="sldNum" sz="quarter" idx="2"/>
@@ -11238,7 +11389,7 @@
       </p:sp>
       <p:pic>
         <p:nvPicPr>
-          <p:cNvPr id="410" name="Bild" descr="Bild"/>
+          <p:cNvPr id="412" name="Bild" descr="Bild"/>
           <p:cNvPicPr>
             <a:picLocks noChangeAspect="1"/>
           </p:cNvPicPr>
@@ -11267,7 +11418,7 @@
       </p:pic>
       <p:pic>
         <p:nvPicPr>
-          <p:cNvPr id="411" name="Bild" descr="Bild"/>
+          <p:cNvPr id="413" name="Bild" descr="Bild"/>
           <p:cNvPicPr>
             <a:picLocks noChangeAspect="1"/>
           </p:cNvPicPr>
@@ -11296,14 +11447,14 @@
       </p:pic>
       <p:sp>
         <p:nvSpPr>
-          <p:cNvPr id="412" name="Sofern ein Modell mehr relevante Prädiktoren beinhaltet, wird es bessere Vorhersagen machen (als ein Modell mit weniger relevanten Variablen), unter sonst gleichen Umständen (ceteris paribus)."/>
+          <p:cNvPr id="414" name="Sofern ein Modell mehr relevante Prädiktoren beinhaltet, wird es bessere Vorhersagen machen (als ein Modell mit weniger relevanten Variablen), vorausgesetzt die die zusätzlichen Prädiktoren sind mit der AV korreliert (unter sonst gleichen Umständen, d.h."/>
           <p:cNvSpPr txBox="1"/>
           <p:nvPr/>
         </p:nvSpPr>
         <p:spPr>
           <a:xfrm>
-            <a:off x="257698" y="8367777"/>
-            <a:ext cx="12489404" cy="739646"/>
+            <a:off x="257698" y="8367776"/>
+            <a:ext cx="12147010" cy="1044447"/>
           </a:xfrm>
           <a:prstGeom prst="rect">
             <a:avLst/>
@@ -11318,28 +11469,28 @@
           </a:extLst>
         </p:spPr>
         <p:txBody>
-          <a:bodyPr wrap="none" lIns="65022" tIns="65022" rIns="65022" bIns="65022">
+          <a:bodyPr lIns="65022" tIns="65022" rIns="65022" bIns="65022">
             <a:spAutoFit/>
           </a:bodyPr>
           <a:lstStyle/>
           <a:p>
             <a:pPr/>
             <a:r>
-              <a:t>Sofern ein Modell mehr relevante Prädiktoren beinhaltet, wird es bessere Vorhersagen machen (als ein Modell mit weniger relevanten Variablen), unter sonst gleichen Umständen (ceteris paribus).</a:t>
-            </a:r>
-          </a:p>
-        </p:txBody>
-      </p:sp>
-      <p:sp>
-        <p:nvSpPr>
-          <p:cNvPr id="413" name="A"/>
+              <a:t>Sofern ein Modell mehr relevante Prädiktoren beinhaltet, wird es bessere Vorhersagen machen (als ein Modell mit weniger relevanten Variablen), vorausgesetzt die die zusätzlichen Prädiktoren sind mit der AV korreliert (unter sonst gleichen Umständen, d.h. ceteris paribus).</a:t>
+            </a:r>
+          </a:p>
+        </p:txBody>
+      </p:sp>
+      <p:sp>
+        <p:nvSpPr>
+          <p:cNvPr id="415" name="A"/>
           <p:cNvSpPr txBox="1"/>
           <p:nvPr/>
         </p:nvSpPr>
         <p:spPr>
           <a:xfrm>
             <a:off x="363626" y="1992377"/>
-            <a:ext cx="416095" cy="434846"/>
+            <a:ext cx="416095" cy="434847"/>
           </a:xfrm>
           <a:prstGeom prst="rect">
             <a:avLst/>
@@ -11368,14 +11519,14 @@
       </p:sp>
       <p:sp>
         <p:nvSpPr>
-          <p:cNvPr id="414" name="B"/>
+          <p:cNvPr id="416" name="B"/>
           <p:cNvSpPr txBox="1"/>
           <p:nvPr/>
         </p:nvSpPr>
         <p:spPr>
           <a:xfrm>
             <a:off x="6573926" y="1992377"/>
-            <a:ext cx="408281" cy="434846"/>
+            <a:ext cx="408281" cy="434847"/>
           </a:xfrm>
           <a:prstGeom prst="rect">
             <a:avLst/>
@@ -11430,7 +11581,7 @@
       </p:grpSpPr>
       <p:sp>
         <p:nvSpPr>
-          <p:cNvPr id="416" name="Ausgabe eines Regressionsmodells"/>
+          <p:cNvPr id="418" name="Ausgabe eines Regressionsmodells"/>
           <p:cNvSpPr txBox="1"/>
           <p:nvPr>
             <p:ph type="body" sz="quarter" idx="1"/>
@@ -11454,7 +11605,7 @@
       </p:sp>
       <p:sp>
         <p:nvSpPr>
-          <p:cNvPr id="417" name="Foliennummer"/>
+          <p:cNvPr id="419" name="Foliennummer"/>
           <p:cNvSpPr txBox="1"/>
           <p:nvPr>
             <p:ph type="sldNum" sz="quarter" idx="2"/>
@@ -11479,45 +11630,16 @@
           </a:p>
         </p:txBody>
       </p:sp>
-      <p:pic>
-        <p:nvPicPr>
-          <p:cNvPr id="418" name="Bild" descr="Bild"/>
-          <p:cNvPicPr>
-            <a:picLocks noChangeAspect="1"/>
-          </p:cNvPicPr>
-          <p:nvPr/>
-        </p:nvPicPr>
-        <p:blipFill>
-          <a:blip r:embed="rId2">
-            <a:extLst/>
-          </a:blip>
-          <a:stretch>
-            <a:fillRect/>
-          </a:stretch>
-        </p:blipFill>
-        <p:spPr>
-          <a:xfrm>
-            <a:off x="1084089" y="2848901"/>
-            <a:ext cx="4181236" cy="4055798"/>
-          </a:xfrm>
-          <a:prstGeom prst="rect">
-            <a:avLst/>
-          </a:prstGeom>
-          <a:ln w="12700">
-            <a:miter lim="400000"/>
-          </a:ln>
-        </p:spPr>
-      </p:pic>
-      <p:sp>
-        <p:nvSpPr>
-          <p:cNvPr id="419" name="Gleichung"/>
+      <p:sp>
+        <p:nvSpPr>
+          <p:cNvPr id="420" name="Gleichung"/>
           <p:cNvSpPr txBox="1"/>
           <p:nvPr/>
         </p:nvSpPr>
         <p:spPr>
           <a:xfrm>
             <a:off x="1151104" y="1866655"/>
-            <a:ext cx="4047206" cy="359136"/>
+            <a:ext cx="4425920" cy="399274"/>
           </a:xfrm>
           <a:prstGeom prst="rect">
             <a:avLst/>
@@ -11621,18 +11743,33 @@
                       </m:r>
                     </m:sub>
                   </m:sSub>
-                  <m:r>
-                    <m:rPr>
-                      <m:nor/>
-                    </m:rPr>
-                    <a:rPr xmlns:a="http://schemas.openxmlformats.org/drawingml/2006/main" sz="2800" i="1">
-                      <a:solidFill>
-                        <a:srgbClr val="000000"/>
-                      </a:solidFill>
-                      <a:latin typeface="Cambria Math" panose="02040503050406030204" pitchFamily="18" charset="0"/>
-                    </a:rPr>
-                    <m:t>hp</m:t>
-                  </m:r>
+                  <m:sSub>
+                    <m:e>
+                      <m:r>
+                        <m:rPr>
+                          <m:nor/>
+                        </m:rPr>
+                        <a:rPr xmlns:a="http://schemas.openxmlformats.org/drawingml/2006/main" sz="2800" i="1">
+                          <a:solidFill>
+                            <a:srgbClr val="000000"/>
+                          </a:solidFill>
+                          <a:latin typeface="Cambria Math" panose="02040503050406030204" pitchFamily="18" charset="0"/>
+                        </a:rPr>
+                        <m:t>hp</m:t>
+                      </m:r>
+                    </m:e>
+                    <m:sub>
+                      <m:r>
+                        <a:rPr xmlns:a="http://schemas.openxmlformats.org/drawingml/2006/main" sz="2800" i="1">
+                          <a:solidFill>
+                            <a:srgbClr val="000000"/>
+                          </a:solidFill>
+                          <a:latin typeface="Cambria Math" panose="02040503050406030204" pitchFamily="18" charset="0"/>
+                        </a:rPr>
+                        <m:t>100</m:t>
+                      </m:r>
+                    </m:sub>
+                  </m:sSub>
                   <m:r>
                     <a:rPr xmlns:a="http://schemas.openxmlformats.org/drawingml/2006/main" sz="2800" i="1">
                       <a:solidFill>
@@ -11705,7 +11842,36 @@
       </p:sp>
       <p:pic>
         <p:nvPicPr>
-          <p:cNvPr id="420" name="Bild" descr="Bild"/>
+          <p:cNvPr id="421" name="Bild" descr="Bild"/>
+          <p:cNvPicPr>
+            <a:picLocks noChangeAspect="1"/>
+          </p:cNvPicPr>
+          <p:nvPr/>
+        </p:nvPicPr>
+        <p:blipFill>
+          <a:blip r:embed="rId2">
+            <a:extLst/>
+          </a:blip>
+          <a:stretch>
+            <a:fillRect/>
+          </a:stretch>
+        </p:blipFill>
+        <p:spPr>
+          <a:xfrm>
+            <a:off x="6070600" y="4933950"/>
+            <a:ext cx="5852920" cy="4055798"/>
+          </a:xfrm>
+          <a:prstGeom prst="rect">
+            <a:avLst/>
+          </a:prstGeom>
+          <a:ln w="12700">
+            <a:miter lim="400000"/>
+          </a:ln>
+        </p:spPr>
+      </p:pic>
+      <p:pic>
+        <p:nvPicPr>
+          <p:cNvPr id="422" name="Bild" descr="Bild"/>
           <p:cNvPicPr>
             <a:picLocks noChangeAspect="1"/>
           </p:cNvPicPr>
@@ -11721,8 +11887,8 @@
         </p:blipFill>
         <p:spPr>
           <a:xfrm>
-            <a:off x="6070600" y="4933950"/>
-            <a:ext cx="5852920" cy="4055798"/>
+            <a:off x="6995341" y="1770064"/>
+            <a:ext cx="4580851" cy="2471530"/>
           </a:xfrm>
           <a:prstGeom prst="rect">
             <a:avLst/>
@@ -11734,7 +11900,7 @@
       </p:pic>
       <p:pic>
         <p:nvPicPr>
-          <p:cNvPr id="421" name="Bild" descr="Bild"/>
+          <p:cNvPr id="423" name="Bild" descr="Bild"/>
           <p:cNvPicPr>
             <a:picLocks noChangeAspect="1"/>
           </p:cNvPicPr>
@@ -11750,8 +11916,8 @@
         </p:blipFill>
         <p:spPr>
           <a:xfrm>
-            <a:off x="6995340" y="1770064"/>
-            <a:ext cx="4580852" cy="2471530"/>
+            <a:off x="1124573" y="3039849"/>
+            <a:ext cx="3719268" cy="5578902"/>
           </a:xfrm>
           <a:prstGeom prst="rect">
             <a:avLst/>
@@ -11789,7 +11955,7 @@
       </p:grpSpPr>
       <p:sp>
         <p:nvSpPr>
-          <p:cNvPr id="423" name="Interaktion"/>
+          <p:cNvPr id="425" name="Interaktion"/>
           <p:cNvSpPr txBox="1"/>
           <p:nvPr>
             <p:ph type="title"/>
@@ -11813,7 +11979,7 @@
       </p:sp>
       <p:sp>
         <p:nvSpPr>
-          <p:cNvPr id="424" name="Foliennummer"/>
+          <p:cNvPr id="426" name="Foliennummer"/>
           <p:cNvSpPr txBox="1"/>
           <p:nvPr>
             <p:ph type="sldNum" sz="quarter" idx="2"/>
@@ -11947,7 +12113,7 @@
       </p:grpSpPr>
       <p:sp>
         <p:nvSpPr>
-          <p:cNvPr id="426" name="Interaktion von Mutter-IQ und Schulabschluss"/>
+          <p:cNvPr id="428" name="Interaktion von Mutter-IQ und Schulabschluss"/>
           <p:cNvSpPr txBox="1"/>
           <p:nvPr>
             <p:ph type="body" sz="quarter" idx="1"/>
@@ -11971,7 +12137,7 @@
       </p:sp>
       <p:sp>
         <p:nvSpPr>
-          <p:cNvPr id="427" name="Textebene 1"/>
+          <p:cNvPr id="429" name="Textebene 1"/>
           <p:cNvSpPr txBox="1"/>
           <p:nvPr>
             <p:ph type="body" idx="21"/>
@@ -11993,7 +12159,7 @@
           <a:p>
             <a:pPr/>
             <a:r>
-              <a:t>In Modell m3 haben wir die Regressionsgeraden gezwungen, </a:t>
+              <a:t>In Modell m3 hatten wir die Regressionsgeraden gezwungen, </a:t>
             </a:r>
             <a:r>
               <a:rPr>
@@ -12011,19 +12177,52 @@
           <a:p>
             <a:pPr/>
             <a:r>
-              <a:t>Betrachtet man das Streudiagramm, so sieht man, das nicht-parallele Geraden besser passen.</a:t>
-            </a:r>
-          </a:p>
-          <a:p>
-            <a:pPr/>
-            <a:r>
-              <a:t>In m4 erlauben wir den Regressionsgeraden der Gruppen, nicht mehr parallel zu sein, was die Modellgüte erhöht</a:t>
-            </a:r>
-          </a:p>
-          <a:p>
-            <a:pPr/>
-            <a:r>
-              <a:t>Sind die Regressionsgeraden nicht parallel, so spricht man von einer </a:t>
+              <a:t>Betrachtet man dieses Streudiagramm, so sieht man, das </a:t>
+            </a:r>
+            <a:r>
+              <a:rPr i="1"/>
+              <a:t>nicht</a:t>
+            </a:r>
+            <a:r>
+              <a:t>-parallele Geraden </a:t>
+            </a:r>
+            <a:r>
+              <a:rPr i="1"/>
+              <a:t>besser</a:t>
+            </a:r>
+            <a:r>
+              <a:t> passen.</a:t>
+            </a:r>
+          </a:p>
+          <a:p>
+            <a:pPr/>
+            <a:r>
+              <a:t>In </a:t>
+            </a:r>
+            <a:r>
+              <a:rPr>
+                <a:latin typeface="Courier"/>
+                <a:ea typeface="Courier"/>
+                <a:cs typeface="Courier"/>
+                <a:sym typeface="Courier"/>
+              </a:rPr>
+              <a:t>m4</a:t>
+            </a:r>
+            <a:r>
+              <a:t> erlauben wir den Regressionsgeraden der Gruppen, nicht mehr parallel zu sein, was die Modellgüte erhöht</a:t>
+            </a:r>
+          </a:p>
+          <a:p>
+            <a:pPr/>
+            <a:r>
+              <a:t>Sind die Regressionsgeraden </a:t>
+            </a:r>
+            <a:r>
+              <a:rPr i="1"/>
+              <a:t>nicht parallel</a:t>
+            </a:r>
+            <a:r>
+              <a:t>, so spricht man von einer </a:t>
             </a:r>
             <a:r>
               <a:rPr>
@@ -12041,14 +12240,21 @@
           <a:p>
             <a:pPr/>
             <a:r>
-              <a:t>Liegt eine Interaktion vor, so unterscheidet sich also die Steigung in den Gruppen.</a:t>
-            </a:r>
-          </a:p>
-        </p:txBody>
-      </p:sp>
-      <p:sp>
-        <p:nvSpPr>
-          <p:cNvPr id="428" name="Foliennummer"/>
+              <a:t>Liegt eine Interaktion vor, so </a:t>
+            </a:r>
+            <a:r>
+              <a:rPr i="1"/>
+              <a:t>unterscheidet sich also die Steigung in den Gruppen</a:t>
+            </a:r>
+            <a:r>
+              <a:t>.</a:t>
+            </a:r>
+          </a:p>
+        </p:txBody>
+      </p:sp>
+      <p:sp>
+        <p:nvSpPr>
+          <p:cNvPr id="430" name="Foliennummer"/>
           <p:cNvSpPr txBox="1"/>
           <p:nvPr>
             <p:ph type="sldNum" sz="quarter" idx="2"/>
@@ -12075,13 +12281,13 @@
       </p:sp>
       <p:sp>
         <p:nvSpPr>
-          <p:cNvPr id="429" name="m4: kid_score ~ mom_iq + mom_hs + error"/>
+          <p:cNvPr id="431" name="m4: kid_score ~ mom_iq + mom_hs + error"/>
           <p:cNvSpPr txBox="1"/>
           <p:nvPr/>
         </p:nvSpPr>
         <p:spPr>
           <a:xfrm>
-            <a:off x="334568" y="8380477"/>
+            <a:off x="334568" y="8380476"/>
             <a:ext cx="6087314" cy="434847"/>
           </a:xfrm>
           <a:prstGeom prst="rect">
@@ -12128,7 +12334,7 @@
       </p:sp>
       <p:pic>
         <p:nvPicPr>
-          <p:cNvPr id="430" name="Bild" descr="Bild"/>
+          <p:cNvPr id="432" name="Bild" descr="Bild"/>
           <p:cNvPicPr>
             <a:picLocks noChangeAspect="1"/>
           </p:cNvPicPr>
@@ -12157,7 +12363,7 @@
       </p:pic>
       <p:pic>
         <p:nvPicPr>
-          <p:cNvPr id="431" name="Bild" descr="Bild"/>
+          <p:cNvPr id="433" name="Bild" descr="Bild"/>
           <p:cNvPicPr>
             <a:picLocks noChangeAspect="1"/>
           </p:cNvPicPr>
@@ -12212,7 +12418,7 @@
       </p:grpSpPr>
       <p:sp>
         <p:nvSpPr>
-          <p:cNvPr id="433" name="Interpretation einer Interaktion"/>
+          <p:cNvPr id="435" name="Interpretation einer Interaktion"/>
           <p:cNvSpPr txBox="1"/>
           <p:nvPr>
             <p:ph type="body" sz="quarter" idx="1"/>
@@ -12236,7 +12442,7 @@
       </p:sp>
       <p:sp>
         <p:nvSpPr>
-          <p:cNvPr id="434" name="Textebene 1"/>
+          <p:cNvPr id="436" name="Textebene 1"/>
           <p:cNvSpPr txBox="1"/>
           <p:nvPr>
             <p:ph type="body" idx="21"/>
@@ -12312,7 +12518,37 @@
               <a:t>Interaktion</a:t>
             </a:r>
             <a:r>
-              <a:t>: Der Unterschied in den Steigungen der Regressionsgeraden, also der Unterschied des Koeffizienten für mom_iq zwischen Müttern mit bzw. ohne Schulabschluss.</a:t>
+              <a:t>: Der Unterschied in den Steigungen der Regressionsgeraden, also der Unterschied des Koeffizienten für </a:t>
+            </a:r>
+            <a:r>
+              <a:rPr>
+                <a:latin typeface="Courier"/>
+                <a:ea typeface="Courier"/>
+                <a:cs typeface="Courier"/>
+                <a:sym typeface="Courier"/>
+              </a:rPr>
+              <a:t>mom_iq</a:t>
+            </a:r>
+            <a:r>
+              <a:t> zwischen Müttern mit bzw. ohne Schulabschluss.</a:t>
+            </a:r>
+          </a:p>
+          <a:p>
+            <a:pPr/>
+            <a:r>
+              <a:t>Der Wert von </a:t>
+            </a:r>
+            <a:r>
+              <a:rPr>
+                <a:latin typeface="Courier"/>
+                <a:ea typeface="Courier"/>
+                <a:cs typeface="Courier"/>
+                <a:sym typeface="Courier"/>
+              </a:rPr>
+              <a:t>kid_score</a:t>
+            </a:r>
+            <a:r>
+              <a:t> ist die Summe obiger Terme.</a:t>
             </a:r>
           </a:p>
           <a:p>
@@ -12403,7 +12639,7 @@
       </p:sp>
       <p:sp>
         <p:nvSpPr>
-          <p:cNvPr id="435" name="Foliennummer"/>
+          <p:cNvPr id="437" name="Foliennummer"/>
           <p:cNvSpPr txBox="1"/>
           <p:nvPr>
             <p:ph type="sldNum" sz="quarter" idx="2"/>
@@ -12456,7 +12692,7 @@
       </p:grpSpPr>
       <p:sp>
         <p:nvSpPr>
-          <p:cNvPr id="437" name="Oft ist eine normale Regression schwer zu interpretieren"/>
+          <p:cNvPr id="439" name="Oft ist eine normale Regression schwer zu interpretieren"/>
           <p:cNvSpPr txBox="1"/>
           <p:nvPr>
             <p:ph type="body" sz="quarter" idx="1"/>
@@ -12484,7 +12720,7 @@
       </p:sp>
       <p:sp>
         <p:nvSpPr>
-          <p:cNvPr id="438" name="Textebene 1"/>
+          <p:cNvPr id="440" name="Textebene 1"/>
           <p:cNvSpPr txBox="1"/>
           <p:nvPr>
             <p:ph type="body" idx="21"/>
@@ -12537,7 +12773,7 @@
       </p:sp>
       <p:sp>
         <p:nvSpPr>
-          <p:cNvPr id="439" name="Foliennummer"/>
+          <p:cNvPr id="441" name="Foliennummer"/>
           <p:cNvSpPr txBox="1"/>
           <p:nvPr>
             <p:ph type="sldNum" sz="quarter" idx="2"/>
@@ -12564,7 +12800,7 @@
       </p:sp>
       <p:sp>
         <p:nvSpPr>
-          <p:cNvPr id="440" name="Kermit kriegt zu viel"/>
+          <p:cNvPr id="442" name="Kermit kriegt zu viel"/>
           <p:cNvSpPr txBox="1"/>
           <p:nvPr/>
         </p:nvSpPr>
@@ -12632,7 +12868,7 @@
       </p:sp>
       <p:pic>
         <p:nvPicPr>
-          <p:cNvPr id="441" name="Bild" descr="Bild"/>
+          <p:cNvPr id="443" name="Bild" descr="Bild"/>
           <p:cNvPicPr>
             <a:picLocks noChangeAspect="1"/>
           </p:cNvPicPr>
@@ -12648,8 +12884,8 @@
         </p:blipFill>
         <p:spPr>
           <a:xfrm>
-            <a:off x="1060450" y="2971799"/>
-            <a:ext cx="5053990" cy="2801916"/>
+            <a:off x="1060450" y="2971800"/>
+            <a:ext cx="5053990" cy="2801915"/>
           </a:xfrm>
           <a:prstGeom prst="rect">
             <a:avLst/>
@@ -12661,14 +12897,14 @@
       </p:pic>
       <p:sp>
         <p:nvSpPr>
-          <p:cNvPr id="442" name="Quelle"/>
+          <p:cNvPr id="444" name="Quelle"/>
           <p:cNvSpPr txBox="1"/>
           <p:nvPr/>
         </p:nvSpPr>
         <p:spPr>
           <a:xfrm>
-            <a:off x="998626" y="6005577"/>
-            <a:ext cx="899290" cy="434846"/>
+            <a:off x="998626" y="6005576"/>
+            <a:ext cx="899290" cy="434847"/>
           </a:xfrm>
           <a:prstGeom prst="rect">
             <a:avLst/>
@@ -12729,7 +12965,7 @@
       </p:sp>
       <p:sp>
         <p:nvSpPr>
-          <p:cNvPr id="443" name="Gleichung"/>
+          <p:cNvPr id="445" name="Gleichung"/>
           <p:cNvSpPr txBox="1"/>
           <p:nvPr/>
         </p:nvSpPr>
@@ -12872,7 +13108,7 @@
       </p:grpSpPr>
       <p:sp>
         <p:nvSpPr>
-          <p:cNvPr id="445" name="Modell mit zentrierten Prädiktoren"/>
+          <p:cNvPr id="447" name="Modell mit zentrierten Prädiktoren interpretieren"/>
           <p:cNvSpPr txBox="1"/>
           <p:nvPr>
             <p:ph type="body" sz="quarter" idx="1"/>
@@ -12889,14 +13125,14 @@
           <a:p>
             <a:pPr/>
             <a:r>
-              <a:t>Modell mit zentrierten Prädiktoren</a:t>
-            </a:r>
-          </a:p>
-        </p:txBody>
-      </p:sp>
-      <p:sp>
-        <p:nvSpPr>
-          <p:cNvPr id="446" name="Textebene 1"/>
+              <a:t>Modell mit zentrierten Prädiktoren interpretieren</a:t>
+            </a:r>
+          </a:p>
+        </p:txBody>
+      </p:sp>
+      <p:sp>
+        <p:nvSpPr>
+          <p:cNvPr id="448" name="Textebene 1"/>
           <p:cNvSpPr txBox="1"/>
           <p:nvPr>
             <p:ph type="body" idx="21"/>
@@ -12918,32 +13154,122 @@
           <a:p>
             <a:pPr/>
             <a:r>
-              <a:t>Der Achsenabschnitt (Intercept) gibt den geschätzten IQ des Kindes an, wenn man eine Mutter mittlerer Intelligenz und ohne Schulabschluss betrachtet.</a:t>
-            </a:r>
-          </a:p>
-          <a:p>
-            <a:pPr/>
-            <a:r>
-              <a:t>mom_hs gibt den Unterschied im geschätzten IQ des Kindes an, wenn man Mütter mittlerer Intelligenz aber mit bzw. ohne Schlusabschluss vergleicht.</a:t>
-            </a:r>
-          </a:p>
-          <a:p>
-            <a:pPr/>
-            <a:r>
-              <a:t>mom_iq_c gibt den Unterschied im geschätzten IQ des Kindes an, wenn man Mütter ohne Schlusabschluss aber mit einem IQ-Punkt Unterschied vergleicht.</a:t>
-            </a:r>
-          </a:p>
-          <a:p>
-            <a:pPr/>
-            <a:r>
-              <a:t>mom_hs:mom_iq_c gibt den Unterschied in den Koeffizienten für mom_iq_c an zwischen den beiden Grupen von mom_hs.</a:t>
-            </a:r>
-          </a:p>
-        </p:txBody>
-      </p:sp>
-      <p:sp>
-        <p:nvSpPr>
-          <p:cNvPr id="447" name="Foliennummer"/>
+              <a:t>Wir gehen im Folgenden von </a:t>
+            </a:r>
+            <a:r>
+              <a:rPr i="1"/>
+              <a:t>zentrierten</a:t>
+            </a:r>
+            <a:r>
+              <a:t> Prädiktoren aus:</a:t>
+            </a:r>
+          </a:p>
+          <a:p>
+            <a:pPr/>
+            <a:r>
+              <a:t>Der Achsenabschnitt (</a:t>
+            </a:r>
+            <a:r>
+              <a:rPr>
+                <a:latin typeface="Courier"/>
+                <a:ea typeface="Courier"/>
+                <a:cs typeface="Courier"/>
+                <a:sym typeface="Courier"/>
+              </a:rPr>
+              <a:t>Intercept</a:t>
+            </a:r>
+            <a:r>
+              <a:t>) gibt den geschätzten IQ des Kindes an, wenn man eine Mutter mittlerer Intelligenz und ohne Schulabschluss betrachtet.</a:t>
+            </a:r>
+          </a:p>
+          <a:p>
+            <a:pPr/>
+            <a:r>
+              <a:rPr>
+                <a:latin typeface="Courier"/>
+                <a:ea typeface="Courier"/>
+                <a:cs typeface="Courier"/>
+                <a:sym typeface="Courier"/>
+              </a:rPr>
+              <a:t>mom_hs</a:t>
+            </a:r>
+            <a:r>
+              <a:t> gibt den Unterschied im geschätzten IQ des Kindes an, wenn man Mütter mittlerer Intelligenz mit bzw. ohne Schlusabschluss vergleicht.</a:t>
+            </a:r>
+          </a:p>
+          <a:p>
+            <a:pPr/>
+            <a:r>
+              <a:rPr>
+                <a:latin typeface="Courier"/>
+                <a:ea typeface="Courier"/>
+                <a:cs typeface="Courier"/>
+                <a:sym typeface="Courier"/>
+              </a:rPr>
+              <a:t>mom_iq_c</a:t>
+            </a:r>
+            <a:r>
+              <a:t> gibt den Unterschied im geschätzten IQ des Kindes an, wenn man Mütter </a:t>
+            </a:r>
+            <a:r>
+              <a:rPr i="1"/>
+              <a:t>ohne Schlusabschluss</a:t>
+            </a:r>
+            <a:r>
+              <a:t> </a:t>
+            </a:r>
+            <a:r>
+              <a:rPr i="1"/>
+              <a:t>aber mit einem IQ-Punkt Unterschied </a:t>
+            </a:r>
+            <a:r>
+              <a:t>vergleicht.</a:t>
+            </a:r>
+          </a:p>
+          <a:p>
+            <a:pPr/>
+            <a:r>
+              <a:rPr>
+                <a:latin typeface="Courier"/>
+                <a:ea typeface="Courier"/>
+                <a:cs typeface="Courier"/>
+                <a:sym typeface="Courier"/>
+              </a:rPr>
+              <a:t>mom_hs:mom_iq_c</a:t>
+            </a:r>
+            <a:r>
+              <a:t> gibt den Unterschied in den Koeffizienten für </a:t>
+            </a:r>
+            <a:r>
+              <a:rPr>
+                <a:latin typeface="Courier"/>
+                <a:ea typeface="Courier"/>
+                <a:cs typeface="Courier"/>
+                <a:sym typeface="Courier"/>
+              </a:rPr>
+              <a:t>mom_iq_c</a:t>
+            </a:r>
+            <a:r>
+              <a:t> an zwischen den beiden Grupen von </a:t>
+            </a:r>
+            <a:r>
+              <a:rPr>
+                <a:latin typeface="Courier"/>
+                <a:ea typeface="Courier"/>
+                <a:cs typeface="Courier"/>
+                <a:sym typeface="Courier"/>
+              </a:rPr>
+              <a:t>mom_hs</a:t>
+            </a:r>
+            <a:r>
+              <a:t>.</a:t>
+            </a:r>
+          </a:p>
+        </p:txBody>
+      </p:sp>
+      <p:sp>
+        <p:nvSpPr>
+          <p:cNvPr id="449" name="Foliennummer"/>
           <p:cNvSpPr txBox="1"/>
           <p:nvPr>
             <p:ph type="sldNum" sz="quarter" idx="2"/>
@@ -12970,14 +13296,14 @@
       </p:sp>
       <p:sp>
         <p:nvSpPr>
-          <p:cNvPr id="448" name="m5: kid_score ~ mom_iq_c + mom_iq_c + mom_iq_c:mom_hs"/>
+          <p:cNvPr id="450" name="m5: kid_score ~ mom_iq_c + mom_iq_c + mom_iq_c:mom_hs"/>
           <p:cNvSpPr txBox="1"/>
           <p:nvPr/>
         </p:nvSpPr>
         <p:spPr>
           <a:xfrm>
-            <a:off x="263366" y="8532877"/>
-            <a:ext cx="8348261" cy="434846"/>
+            <a:off x="263366" y="8532876"/>
+            <a:ext cx="8348261" cy="434847"/>
           </a:xfrm>
           <a:prstGeom prst="rect">
             <a:avLst/>
@@ -13015,7 +13341,7 @@
       </p:sp>
       <p:pic>
         <p:nvPicPr>
-          <p:cNvPr id="449" name="Bild" descr="Bild"/>
+          <p:cNvPr id="451" name="Bild" descr="Bild"/>
           <p:cNvPicPr>
             <a:picLocks noChangeAspect="1"/>
           </p:cNvPicPr>
@@ -13070,7 +13396,7 @@
       </p:grpSpPr>
       <p:sp>
         <p:nvSpPr>
-          <p:cNvPr id="451" name="Zentrieren ändert nichts an den Vorhersagen"/>
+          <p:cNvPr id="453" name="Zentrieren ändert nichts an den Vorhersagen"/>
           <p:cNvSpPr txBox="1"/>
           <p:nvPr>
             <p:ph type="body" sz="quarter" idx="1"/>
@@ -13094,7 +13420,7 @@
       </p:sp>
       <p:sp>
         <p:nvSpPr>
-          <p:cNvPr id="452" name="Textebene 1"/>
+          <p:cNvPr id="454" name="Textebene 1"/>
           <p:cNvSpPr txBox="1"/>
           <p:nvPr>
             <p:ph type="body" idx="21"/>
@@ -13123,7 +13449,7 @@
       </p:sp>
       <p:sp>
         <p:nvSpPr>
-          <p:cNvPr id="453" name="Textebene 1…"/>
+          <p:cNvPr id="455" name="Textebene 1…"/>
           <p:cNvSpPr txBox="1"/>
           <p:nvPr>
             <p:ph type="body" idx="22"/>
@@ -13166,7 +13492,7 @@
       </p:sp>
       <p:sp>
         <p:nvSpPr>
-          <p:cNvPr id="454" name="Foliennummer"/>
+          <p:cNvPr id="456" name="Foliennummer"/>
           <p:cNvSpPr txBox="1"/>
           <p:nvPr>
             <p:ph type="sldNum" sz="quarter" idx="2"/>
@@ -13193,7 +13519,7 @@
       </p:sp>
       <p:pic>
         <p:nvPicPr>
-          <p:cNvPr id="455" name="Bild" descr="Bild"/>
+          <p:cNvPr id="457" name="Bild" descr="Bild"/>
           <p:cNvPicPr>
             <a:picLocks noChangeAspect="1"/>
           </p:cNvPicPr>
@@ -13222,7 +13548,7 @@
       </p:pic>
       <p:pic>
         <p:nvPicPr>
-          <p:cNvPr id="456" name="Bild" descr="Bild"/>
+          <p:cNvPr id="458" name="Bild" descr="Bild"/>
           <p:cNvPicPr>
             <a:picLocks noChangeAspect="1"/>
           </p:cNvPicPr>
@@ -13277,7 +13603,7 @@
       </p:grpSpPr>
       <p:sp>
         <p:nvSpPr>
-          <p:cNvPr id="458" name="Interaktionseffekt bei mtcars"/>
+          <p:cNvPr id="460" name="Interaktionseffekt bei mtcars"/>
           <p:cNvSpPr txBox="1"/>
           <p:nvPr>
             <p:ph type="body" sz="quarter" idx="1"/>
@@ -13301,7 +13627,7 @@
       </p:sp>
       <p:sp>
         <p:nvSpPr>
-          <p:cNvPr id="459" name="Textebene 1"/>
+          <p:cNvPr id="461" name="Textebene 1"/>
           <p:cNvSpPr txBox="1"/>
           <p:nvPr>
             <p:ph type="body" idx="21"/>
@@ -13365,7 +13691,7 @@
           <a:p>
             <a:pPr/>
             <a:r>
-              <a:t>Der statistische Effekt eines Prädiktors ist dann abhängig von den Ausprägungen eines anderen Prädiktors.</a:t>
+              <a:t>Der statistische Effekt* eines Prädiktors ist dann abhängig von den Ausprägungen eines anderen Prädiktors.</a:t>
             </a:r>
           </a:p>
           <a:p>
@@ -13378,7 +13704,7 @@
       </p:sp>
       <p:sp>
         <p:nvSpPr>
-          <p:cNvPr id="460" name="Foliennummer"/>
+          <p:cNvPr id="462" name="Foliennummer"/>
           <p:cNvSpPr txBox="1"/>
           <p:nvPr>
             <p:ph type="sldNum" sz="quarter" idx="2"/>
@@ -13405,7 +13731,7 @@
       </p:sp>
       <p:pic>
         <p:nvPicPr>
-          <p:cNvPr id="461" name="Bild" descr="Bild"/>
+          <p:cNvPr id="463" name="Bild" descr="Bild"/>
           <p:cNvPicPr>
             <a:picLocks noChangeAspect="1"/>
           </p:cNvPicPr>
@@ -13432,6 +13758,42 @@
           </a:ln>
         </p:spPr>
       </p:pic>
+      <p:sp>
+        <p:nvSpPr>
+          <p:cNvPr id="464" name="* Wir machen hier keine Kausalaussagen, sondern nur Vorhersagen, die nur auf statistischen Abhängigkeiten (Korrelationen) aufbauen."/>
+          <p:cNvSpPr txBox="1"/>
+          <p:nvPr/>
+        </p:nvSpPr>
+        <p:spPr>
+          <a:xfrm>
+            <a:off x="274726" y="8936526"/>
+            <a:ext cx="12182050" cy="739647"/>
+          </a:xfrm>
+          <a:prstGeom prst="rect">
+            <a:avLst/>
+          </a:prstGeom>
+          <a:ln w="12700">
+            <a:miter lim="400000"/>
+          </a:ln>
+          <a:extLst>
+            <a:ext uri="{C572A759-6A51-4108-AA02-DFA0A04FC94B}">
+              <ma14:wrappingTextBoxFlag xmlns:ma14="http://schemas.microsoft.com/office/mac/drawingml/2011/main" val="1"/>
+            </a:ext>
+          </a:extLst>
+        </p:spPr>
+        <p:txBody>
+          <a:bodyPr lIns="65022" tIns="65022" rIns="65022" bIns="65022">
+            <a:spAutoFit/>
+          </a:bodyPr>
+          <a:lstStyle/>
+          <a:p>
+            <a:pPr/>
+            <a:r>
+              <a:t>* Wir machen hier keine Kausalaussagen, sondern nur Vorhersagen, die nur auf statistischen Abhängigkeiten (Korrelationen) aufbauen.</a:t>
+            </a:r>
+          </a:p>
+        </p:txBody>
+      </p:sp>
     </p:spTree>
   </p:cSld>
   <p:clrMapOvr>
@@ -13460,7 +13822,7 @@
       </p:grpSpPr>
       <p:sp>
         <p:nvSpPr>
-          <p:cNvPr id="463" name="Koeffizienten bei Interaktionsmodell für mtcars"/>
+          <p:cNvPr id="466" name="Koeffizienten bei Interaktionsmodell für mtcars"/>
           <p:cNvSpPr txBox="1"/>
           <p:nvPr>
             <p:ph type="body" sz="quarter" idx="1"/>
@@ -13484,13 +13846,17 @@
       </p:sp>
       <p:sp>
         <p:nvSpPr>
-          <p:cNvPr id="464" name="Textebene 1"/>
+          <p:cNvPr id="467" name="Textebene 1"/>
           <p:cNvSpPr txBox="1"/>
           <p:nvPr>
             <p:ph type="body" idx="21"/>
           </p:nvPr>
         </p:nvSpPr>
         <p:spPr>
+          <a:xfrm>
+            <a:off x="6238180" y="1905000"/>
+            <a:ext cx="6760469" cy="7246716"/>
+          </a:xfrm>
           <a:prstGeom prst="rect">
             <a:avLst/>
           </a:prstGeom>
@@ -13504,7 +13870,12 @@
           <a:bodyPr/>
           <a:lstStyle/>
           <a:p>
-            <a:pPr/>
+            <a:pPr marL="314325" marR="125729" indent="-314325" defTabSz="1287475">
+              <a:spcBef>
+                <a:spcPts val="900"/>
+              </a:spcBef>
+              <a:defRPr sz="1979"/>
+            </a:pPr>
             <a:r>
               <a:t>Der Parameter </a:t>
             </a:r>
@@ -13519,7 +13890,10 @@
             </a:r>
           </a:p>
           <a:p>
-            <a:pPr lvl="1" marL="581526" indent="-200526">
+            <a:pPr lvl="1" marL="575711" marR="125729" indent="-198521" defTabSz="1287475">
+              <a:spcBef>
+                <a:spcPts val="900"/>
+              </a:spcBef>
               <a:buClr>
                 <a:schemeClr val="accent5">
                   <a:lumOff val="-7647"/>
@@ -13528,13 +13902,17 @@
               <a:buSzPct val="150000"/>
               <a:buFontTx/>
               <a:buChar char="‣"/>
+              <a:defRPr sz="1979"/>
             </a:pPr>
             <a:r>
               <a:t>gibt den Unterschied (im Verbrauch) zweier Autos an, die sich um 100 PS unterscheiden</a:t>
             </a:r>
           </a:p>
           <a:p>
-            <a:pPr lvl="1" marL="581526" indent="-200526">
+            <a:pPr lvl="1" marL="575711" marR="125729" indent="-198521" defTabSz="1287475">
+              <a:spcBef>
+                <a:spcPts val="900"/>
+              </a:spcBef>
               <a:buClr>
                 <a:schemeClr val="accent5">
                   <a:lumOff val="-7647"/>
@@ -13543,13 +13921,17 @@
               <a:buSzPct val="150000"/>
               <a:buFontTx/>
               <a:buChar char="‣"/>
+              <a:defRPr sz="1979"/>
             </a:pPr>
             <a:r>
               <a:t>unter der Annahme, dass die übrigen Prädiktoren gleich Null sind.</a:t>
             </a:r>
           </a:p>
           <a:p>
-            <a:pPr lvl="1" marL="581526" indent="-200526">
+            <a:pPr lvl="1" marL="575711" marR="125729" indent="-198521" defTabSz="1287475">
+              <a:spcBef>
+                <a:spcPts val="900"/>
+              </a:spcBef>
               <a:buClr>
                 <a:schemeClr val="accent5">
                   <a:lumOff val="-7647"/>
@@ -13558,13 +13940,19 @@
               <a:buSzPct val="150000"/>
               <a:buFontTx/>
               <a:buChar char="‣"/>
+              <a:defRPr sz="1979"/>
             </a:pPr>
             <a:r>
               <a:t>entspricht der Steigung der Regressionsgeraden.</a:t>
             </a:r>
           </a:p>
           <a:p>
-            <a:pPr/>
+            <a:pPr marL="314325" marR="125729" indent="-314325" defTabSz="1287475">
+              <a:spcBef>
+                <a:spcPts val="900"/>
+              </a:spcBef>
+              <a:defRPr sz="1979"/>
+            </a:pPr>
             <a:r>
               <a:t>Der Parameter </a:t>
             </a:r>
@@ -13582,7 +13970,10 @@
             </a:r>
           </a:p>
           <a:p>
-            <a:pPr lvl="1" marL="581526" indent="-200526">
+            <a:pPr lvl="1" marL="575711" marR="125729" indent="-198521" defTabSz="1287475">
+              <a:spcBef>
+                <a:spcPts val="900"/>
+              </a:spcBef>
               <a:buClr>
                 <a:schemeClr val="accent5">
                   <a:lumOff val="-7647"/>
@@ -13591,13 +13982,17 @@
               <a:buSzPct val="150000"/>
               <a:buFontTx/>
               <a:buChar char="‣"/>
+              <a:defRPr sz="1979"/>
             </a:pPr>
             <a:r>
               <a:t>gibt den Unterschied im Verbrauch zweiter Autos an, die sich um einen Zylinder unterscheiden</a:t>
             </a:r>
           </a:p>
           <a:p>
-            <a:pPr lvl="1" marL="581526" indent="-200526">
+            <a:pPr lvl="1" marL="575711" marR="125729" indent="-198521" defTabSz="1287475">
+              <a:spcBef>
+                <a:spcPts val="900"/>
+              </a:spcBef>
               <a:buClr>
                 <a:schemeClr val="accent5">
                   <a:lumOff val="-7647"/>
@@ -13606,13 +14001,19 @@
               <a:buSzPct val="150000"/>
               <a:buFontTx/>
               <a:buChar char="‣"/>
+              <a:defRPr sz="1979"/>
             </a:pPr>
             <a:r>
               <a:t>unter der Annahme, dass die übrigen Prädiktoren gleich Null sind</a:t>
             </a:r>
           </a:p>
           <a:p>
-            <a:pPr/>
+            <a:pPr marL="314325" marR="125729" indent="-314325" defTabSz="1287475">
+              <a:spcBef>
+                <a:spcPts val="900"/>
+              </a:spcBef>
+              <a:defRPr sz="1979"/>
+            </a:pPr>
             <a:r>
               <a:t>Der Parameter </a:t>
             </a:r>
@@ -13633,7 +14034,10 @@
             </a:endParaRPr>
           </a:p>
           <a:p>
-            <a:pPr lvl="1" marL="581526" indent="-200526">
+            <a:pPr lvl="1" marL="575711" marR="125729" indent="-198521" defTabSz="1287475">
+              <a:spcBef>
+                <a:spcPts val="900"/>
+              </a:spcBef>
               <a:buClr>
                 <a:schemeClr val="accent5">
                   <a:lumOff val="-7647"/>
@@ -13642,16 +14046,91 @@
               <a:buSzPct val="150000"/>
               <a:buFontTx/>
               <a:buChar char="‣"/>
+              <a:defRPr sz="1979"/>
             </a:pPr>
             <a:r>
               <a:t>gibt den zusätzlichen Unterschied im Parameter hp100 an, wenn man Autos vergleicht, die sich in einem Zylinder unterscheiden.</a:t>
             </a:r>
           </a:p>
-        </p:txBody>
-      </p:sp>
-      <p:sp>
-        <p:nvSpPr>
-          <p:cNvPr id="465" name="Foliennummer"/>
+          <a:p>
+            <a:pPr marL="314325" marR="125729" indent="-314325" defTabSz="1287475">
+              <a:spcBef>
+                <a:spcPts val="900"/>
+              </a:spcBef>
+              <a:defRPr sz="1979"/>
+            </a:pPr>
+            <a:r>
+              <a:t>Der </a:t>
+            </a:r>
+            <a:r>
+              <a:rPr>
+                <a:latin typeface="Roboto Condensed Bold"/>
+                <a:ea typeface="Roboto Condensed Bold"/>
+                <a:cs typeface="Roboto Condensed Bold"/>
+                <a:sym typeface="Roboto Condensed Bold"/>
+              </a:rPr>
+              <a:t>Achsenabschnitt</a:t>
+            </a:r>
+          </a:p>
+          <a:p>
+            <a:pPr lvl="1" marL="575711" marR="125729" indent="-198521" defTabSz="1287475">
+              <a:spcBef>
+                <a:spcPts val="900"/>
+              </a:spcBef>
+              <a:buClr>
+                <a:schemeClr val="accent5">
+                  <a:lumOff val="-7647"/>
+                </a:schemeClr>
+              </a:buClr>
+              <a:buSzPct val="150000"/>
+              <a:buFontTx/>
+              <a:buChar char="‣"/>
+              <a:defRPr sz="1979"/>
+            </a:pPr>
+            <a:r>
+              <a:t>gibt den mpg-Wert an für Autos mit 0 PS und 0 Zylindern.</a:t>
+            </a:r>
+          </a:p>
+          <a:p>
+            <a:pPr marL="314325" marR="125729" indent="-314325" defTabSz="1287475">
+              <a:spcBef>
+                <a:spcPts val="900"/>
+              </a:spcBef>
+              <a:defRPr sz="1979"/>
+            </a:pPr>
+            <a:r>
+              <a:t>Der </a:t>
+            </a:r>
+            <a:r>
+              <a:rPr>
+                <a:latin typeface="Roboto Condensed Bold"/>
+                <a:ea typeface="Roboto Condensed Bold"/>
+                <a:cs typeface="Roboto Condensed Bold"/>
+                <a:sym typeface="Roboto Condensed Bold"/>
+              </a:rPr>
+              <a:t>Gesamtwert</a:t>
+            </a:r>
+            <a:r>
+              <a:t> (der Vorhersage) von mpg ist die </a:t>
+            </a:r>
+            <a:r>
+              <a:rPr>
+                <a:latin typeface="Roboto Condensed Bold"/>
+                <a:ea typeface="Roboto Condensed Bold"/>
+                <a:cs typeface="Roboto Condensed Bold"/>
+                <a:sym typeface="Roboto Condensed Bold"/>
+              </a:rPr>
+              <a:t>Summe</a:t>
+            </a:r>
+            <a:r>
+              <a:t> der obigen Terme. </a:t>
+            </a:r>
+          </a:p>
+        </p:txBody>
+      </p:sp>
+      <p:sp>
+        <p:nvSpPr>
+          <p:cNvPr id="468" name="Foliennummer"/>
           <p:cNvSpPr txBox="1"/>
           <p:nvPr>
             <p:ph type="sldNum" sz="quarter" idx="2"/>
@@ -13678,7 +14157,7 @@
       </p:sp>
       <p:pic>
         <p:nvPicPr>
-          <p:cNvPr id="466" name="Bild" descr="Bild"/>
+          <p:cNvPr id="469" name="Bild" descr="Bild"/>
           <p:cNvPicPr>
             <a:picLocks noChangeAspect="1"/>
           </p:cNvPicPr>
@@ -13695,7 +14174,7 @@
         <p:spPr>
           <a:xfrm>
             <a:off x="592197" y="1967402"/>
-            <a:ext cx="3598803" cy="4363549"/>
+            <a:ext cx="3598803" cy="4363548"/>
           </a:xfrm>
           <a:prstGeom prst="rect">
             <a:avLst/>
@@ -13707,7 +14186,7 @@
       </p:pic>
       <p:pic>
         <p:nvPicPr>
-          <p:cNvPr id="467" name="Bild" descr="Bild"/>
+          <p:cNvPr id="470" name="Bild" descr="Bild"/>
           <p:cNvPicPr>
             <a:picLocks noChangeAspect="1"/>
           </p:cNvPicPr>
@@ -13762,7 +14241,7 @@
       </p:grpSpPr>
       <p:sp>
         <p:nvSpPr>
-          <p:cNvPr id="469" name="mtcars-Interaktionsmodell vereinfacht"/>
+          <p:cNvPr id="472" name="mtcars-Interaktionsmodell vereinfacht"/>
           <p:cNvSpPr txBox="1"/>
           <p:nvPr>
             <p:ph type="body" sz="quarter" idx="1"/>
@@ -13786,7 +14265,7 @@
       </p:sp>
       <p:sp>
         <p:nvSpPr>
-          <p:cNvPr id="470" name="Textebene 1"/>
+          <p:cNvPr id="473" name="Textebene 1"/>
           <p:cNvSpPr txBox="1"/>
           <p:nvPr>
             <p:ph type="body" idx="21"/>
@@ -13805,6 +14284,12 @@
         <p:txBody>
           <a:bodyPr/>
           <a:lstStyle/>
+          <a:p>
+            <a:pPr/>
+            <a:r>
+              <a:t>Der Einfachheit halber betrachten wir hier nur Autos mit 4 oder mit 8 Zylindern.</a:t>
+            </a:r>
+          </a:p>
           <a:p>
             <a:pPr/>
             <a:r>
@@ -13881,7 +14366,7 @@
       </p:sp>
       <p:sp>
         <p:nvSpPr>
-          <p:cNvPr id="471" name="Foliennummer"/>
+          <p:cNvPr id="474" name="Foliennummer"/>
           <p:cNvSpPr txBox="1"/>
           <p:nvPr>
             <p:ph type="sldNum" sz="quarter" idx="2"/>
@@ -13908,7 +14393,7 @@
       </p:sp>
       <p:pic>
         <p:nvPicPr>
-          <p:cNvPr id="472" name="Bild" descr="Bild"/>
+          <p:cNvPr id="475" name="Bild" descr="Bild"/>
           <p:cNvPicPr>
             <a:picLocks noChangeAspect="1"/>
           </p:cNvPicPr>
@@ -13937,7 +14422,7 @@
       </p:pic>
       <p:pic>
         <p:nvPicPr>
-          <p:cNvPr id="473" name="Bild" descr="Bild"/>
+          <p:cNvPr id="476" name="Bild" descr="Bild"/>
           <p:cNvPicPr>
             <a:picLocks noChangeAspect="1"/>
           </p:cNvPicPr>
@@ -13953,7 +14438,7 @@
         </p:blipFill>
         <p:spPr>
           <a:xfrm>
-            <a:off x="7943850" y="6178550"/>
+            <a:off x="6559550" y="6750050"/>
             <a:ext cx="2633411" cy="2311644"/>
           </a:xfrm>
           <a:prstGeom prst="rect">
@@ -13992,7 +14477,7 @@
       </p:grpSpPr>
       <p:sp>
         <p:nvSpPr>
-          <p:cNvPr id="475" name="Prädiktorenrelevanz"/>
+          <p:cNvPr id="478" name="Prädiktorenrelevanz"/>
           <p:cNvSpPr txBox="1"/>
           <p:nvPr>
             <p:ph type="title"/>
@@ -14016,7 +14501,7 @@
       </p:sp>
       <p:sp>
         <p:nvSpPr>
-          <p:cNvPr id="476" name="Foliennummer"/>
+          <p:cNvPr id="479" name="Foliennummer"/>
           <p:cNvSpPr txBox="1"/>
           <p:nvPr>
             <p:ph type="sldNum" sz="quarter" idx="2"/>
@@ -14069,7 +14554,7 @@
       </p:grpSpPr>
       <p:sp>
         <p:nvSpPr>
-          <p:cNvPr id="478" name="Woher weiß man, welcher Prädiktor am wichtigsten ist?"/>
+          <p:cNvPr id="481" name="Woher weiß man, welcher Prädiktor am wichtigsten ist?"/>
           <p:cNvSpPr txBox="1"/>
           <p:nvPr>
             <p:ph type="body" sz="quarter" idx="1"/>
@@ -14097,7 +14582,7 @@
       </p:sp>
       <p:sp>
         <p:nvSpPr>
-          <p:cNvPr id="479" name="Textebene 1"/>
+          <p:cNvPr id="482" name="Textebene 1"/>
           <p:cNvSpPr txBox="1"/>
           <p:nvPr>
             <p:ph type="body" idx="21"/>
@@ -14123,7 +14608,31 @@
           <a:p>
             <a:pPr/>
             <a:r>
-              <a:t>Welcher Prädiktor ist nun "wichtiger" oder "stärker" in Bezug auf den Zusammenhang mit der AV, mom_iq oder mom_age?</a:t>
+              <a:t>Welcher Prädiktor ist nun "wichtiger" oder "stärker" in Bezug auf den Zusammenhang mit der AV, </a:t>
+            </a:r>
+            <a:r>
+              <a:rPr>
+                <a:latin typeface="Courier"/>
+                <a:ea typeface="Courier"/>
+                <a:cs typeface="Courier"/>
+                <a:sym typeface="Courier"/>
+              </a:rPr>
+              <a:t>mom_iq</a:t>
+            </a:r>
+            <a:r>
+              <a:t> oder </a:t>
+            </a:r>
+            <a:r>
+              <a:rPr>
+                <a:latin typeface="Courier"/>
+                <a:ea typeface="Courier"/>
+                <a:cs typeface="Courier"/>
+                <a:sym typeface="Courier"/>
+              </a:rPr>
+              <a:t>mom_age</a:t>
+            </a:r>
+            <a:r>
+              <a:t>?</a:t>
             </a:r>
           </a:p>
           <a:p>
@@ -14138,7 +14647,16 @@
               <a:buChar char="‣"/>
             </a:pPr>
             <a:r>
-              <a:t>mom_iq hat den größeren Koeffizienten.</a:t>
+              <a:rPr>
+                <a:latin typeface="Courier"/>
+                <a:ea typeface="Courier"/>
+                <a:cs typeface="Courier"/>
+                <a:sym typeface="Courier"/>
+              </a:rPr>
+              <a:t>mom_iq</a:t>
+            </a:r>
+            <a:r>
+              <a:t> hat den größeren Koeffizienten.</a:t>
             </a:r>
           </a:p>
           <a:p>
@@ -14153,13 +14671,34 @@
               <a:buChar char="‣"/>
             </a:pPr>
             <a:r>
-              <a:t>mom_age hat weniger Streuung.</a:t>
-            </a:r>
-          </a:p>
-          <a:p>
-            <a:pPr/>
-            <a:r>
-              <a:t>Um die Relevanz der Prädiktoren vergleichen zu können, müsste man vielleicht die Veränderung von kid_score betrachten, wenn man von kleinsten zum größten Prädiktorwert geht.</a:t>
+              <a:rPr>
+                <a:latin typeface="Courier"/>
+                <a:ea typeface="Courier"/>
+                <a:cs typeface="Courier"/>
+                <a:sym typeface="Courier"/>
+              </a:rPr>
+              <a:t>mom_age</a:t>
+            </a:r>
+            <a:r>
+              <a:t> hat weniger Streuung.</a:t>
+            </a:r>
+          </a:p>
+          <a:p>
+            <a:pPr/>
+            <a:r>
+              <a:t>Um die Relevanz der Prädiktoren vergleichen zu können, müsste man vielleicht die Veränderung von </a:t>
+            </a:r>
+            <a:r>
+              <a:rPr>
+                <a:latin typeface="Courier"/>
+                <a:ea typeface="Courier"/>
+                <a:cs typeface="Courier"/>
+                <a:sym typeface="Courier"/>
+              </a:rPr>
+              <a:t>kid_score</a:t>
+            </a:r>
+            <a:r>
+              <a:t> betrachten, wenn man von kleinsten zum größten Prädiktorwert geht.</a:t>
             </a:r>
           </a:p>
           <a:p>
@@ -14190,7 +14729,7 @@
       </p:sp>
       <p:sp>
         <p:nvSpPr>
-          <p:cNvPr id="480" name="Foliennummer"/>
+          <p:cNvPr id="483" name="Foliennummer"/>
           <p:cNvSpPr txBox="1"/>
           <p:nvPr>
             <p:ph type="sldNum" sz="quarter" idx="2"/>
@@ -14217,7 +14756,7 @@
       </p:sp>
       <p:sp>
         <p:nvSpPr>
-          <p:cNvPr id="481" name="Gleichung"/>
+          <p:cNvPr id="484" name="Gleichung"/>
           <p:cNvSpPr txBox="1"/>
           <p:nvPr/>
         </p:nvSpPr>
@@ -14407,7 +14946,7 @@
       </p:grpSpPr>
       <p:sp>
         <p:nvSpPr>
-          <p:cNvPr id="332" name="Anscombes Quartett revisited"/>
+          <p:cNvPr id="332" name="Anscombes Quartett revisited: Nur lineare Trends"/>
           <p:cNvSpPr txBox="1"/>
           <p:nvPr>
             <p:ph type="body" sz="quarter" idx="1"/>
@@ -14424,7 +14963,7 @@
           <a:p>
             <a:pPr/>
             <a:r>
-              <a:t>Anscombes Quartett revisited </a:t>
+              <a:t>Anscombes Quartett revisited: Nur lineare Trends</a:t>
             </a:r>
           </a:p>
         </p:txBody>
@@ -14534,7 +15073,7 @@
         <p:spPr>
           <a:xfrm>
             <a:off x="10201573" y="1896098"/>
-            <a:ext cx="1764913" cy="384031"/>
+            <a:ext cx="1764913" cy="384032"/>
           </a:xfrm>
           <a:prstGeom prst="rect">
             <a:avLst/>
@@ -14637,7 +15176,7 @@
       </p:grpSpPr>
       <p:sp>
         <p:nvSpPr>
-          <p:cNvPr id="483" name="Textebene 1"/>
+          <p:cNvPr id="486" name="Textebene 1"/>
           <p:cNvSpPr txBox="1"/>
           <p:nvPr>
             <p:ph type="body" idx="21"/>
@@ -14659,19 +15198,91 @@
           <a:p>
             <a:pPr/>
             <a:r>
-              <a:t>Der Achsenabschnitt gibt den Mittelwert der AV (kid_score) an, da kid_score_z = 0 identisch ist zum Mittelwert von kid_score.</a:t>
-            </a:r>
-          </a:p>
-          <a:p>
-            <a:pPr/>
-            <a:r>
-              <a:t>Der Koeffizient für mom_iq_z gibt an, um wie viele SD-Einheiten sich kid_score (die AV) ändert, wenn sich mom_iq um eine SD-Einheit ändert.</a:t>
-            </a:r>
-          </a:p>
-          <a:p>
-            <a:pPr/>
-            <a:r>
-              <a:t>Der Koeffizient für mom_age_z gibt an, um wie viele SD-Einheiten sich kid_score (die AV) ändert, wenn sich mom_age um eine SD-Einheit ändert.</a:t>
+              <a:t>Der Achsenabschnitt gibt den Mittelwert der AV (kid_score) an, da </a:t>
+            </a:r>
+            <a:r>
+              <a:rPr>
+                <a:latin typeface="Courier"/>
+                <a:ea typeface="Courier"/>
+                <a:cs typeface="Courier"/>
+                <a:sym typeface="Courier"/>
+              </a:rPr>
+              <a:t>kid_score_z</a:t>
+            </a:r>
+            <a:r>
+              <a:t> = 0 identisch ist zum Mittelwert von kid_score.</a:t>
+            </a:r>
+          </a:p>
+          <a:p>
+            <a:pPr/>
+            <a:r>
+              <a:t>Der Koeffizient für mom_iq_z gibt an, um wie viele SD-Einheiten sich </a:t>
+            </a:r>
+            <a:r>
+              <a:rPr>
+                <a:latin typeface="Courier"/>
+                <a:ea typeface="Courier"/>
+                <a:cs typeface="Courier"/>
+                <a:sym typeface="Courier"/>
+              </a:rPr>
+              <a:t>kid_score</a:t>
+            </a:r>
+            <a:r>
+              <a:t> (die AV) ändert, wenn sich </a:t>
+            </a:r>
+            <a:r>
+              <a:rPr>
+                <a:latin typeface="Courier"/>
+                <a:ea typeface="Courier"/>
+                <a:cs typeface="Courier"/>
+                <a:sym typeface="Courier"/>
+              </a:rPr>
+              <a:t>mom_iq</a:t>
+            </a:r>
+            <a:r>
+              <a:t> um eine SD-Einheit ändert.</a:t>
+            </a:r>
+          </a:p>
+          <a:p>
+            <a:pPr/>
+            <a:r>
+              <a:t>Der Koeffizient für </a:t>
+            </a:r>
+            <a:r>
+              <a:rPr>
+                <a:latin typeface="Courier"/>
+                <a:ea typeface="Courier"/>
+                <a:cs typeface="Courier"/>
+                <a:sym typeface="Courier"/>
+              </a:rPr>
+              <a:t>mom_age_z</a:t>
+            </a:r>
+            <a:r>
+              <a:t> gibt an, um wie viele SD-Einheiten sich </a:t>
+            </a:r>
+            <a:r>
+              <a:rPr>
+                <a:latin typeface="Courier"/>
+                <a:ea typeface="Courier"/>
+                <a:cs typeface="Courier"/>
+                <a:sym typeface="Courier"/>
+              </a:rPr>
+              <a:t>kid_score</a:t>
+            </a:r>
+            <a:r>
+              <a:t> (die AV) ändert, wenn sich </a:t>
+            </a:r>
+            <a:r>
+              <a:rPr>
+                <a:latin typeface="Courier"/>
+                <a:ea typeface="Courier"/>
+                <a:cs typeface="Courier"/>
+                <a:sym typeface="Courier"/>
+              </a:rPr>
+              <a:t>mom_age</a:t>
+            </a:r>
+            <a:r>
+              <a:t> um eine SD-Einheit ändert.</a:t>
             </a:r>
           </a:p>
           <a:p>
@@ -14692,11 +15303,17 @@
               <a:t>Der Wertebereich der Koeffizienten wird dadurch homogenisiert.</a:t>
             </a:r>
           </a:p>
-        </p:txBody>
-      </p:sp>
-      <p:sp>
-        <p:nvSpPr>
-          <p:cNvPr id="484" name="Modell mit z-standardisierten Prädiktoren"/>
+          <a:p>
+            <a:pPr/>
+            <a:r>
+              <a:t>Eine z-Standardisierung der Prädiktoren ist oft nützlich.</a:t>
+            </a:r>
+          </a:p>
+        </p:txBody>
+      </p:sp>
+      <p:sp>
+        <p:nvSpPr>
+          <p:cNvPr id="487" name="Modell mit z-standardisierten Prädiktoren"/>
           <p:cNvSpPr txBox="1"/>
           <p:nvPr>
             <p:ph type="body" sz="quarter" idx="1"/>
@@ -14720,7 +15337,7 @@
       </p:sp>
       <p:sp>
         <p:nvSpPr>
-          <p:cNvPr id="485" name="Foliennummer"/>
+          <p:cNvPr id="488" name="Foliennummer"/>
           <p:cNvSpPr txBox="1"/>
           <p:nvPr>
             <p:ph type="sldNum" sz="quarter" idx="2"/>
@@ -14747,7 +15364,7 @@
       </p:sp>
       <p:pic>
         <p:nvPicPr>
-          <p:cNvPr id="486" name="Bild" descr="Bild"/>
+          <p:cNvPr id="489" name="Bild" descr="Bild"/>
           <p:cNvPicPr>
             <a:picLocks noChangeAspect="1"/>
           </p:cNvPicPr>
@@ -14776,14 +15393,14 @@
       </p:pic>
       <p:sp>
         <p:nvSpPr>
-          <p:cNvPr id="487" name="m6: kid_score ~ mom_iq_z + mom_age_z"/>
+          <p:cNvPr id="490" name="m6: kid_score ~ mom_iq_z + mom_age_z"/>
           <p:cNvSpPr txBox="1"/>
           <p:nvPr/>
         </p:nvSpPr>
         <p:spPr>
           <a:xfrm>
-            <a:off x="6150994" y="7732777"/>
-            <a:ext cx="5757040" cy="434846"/>
+            <a:off x="6189094" y="8507476"/>
+            <a:ext cx="5757040" cy="434847"/>
           </a:xfrm>
           <a:prstGeom prst="rect">
             <a:avLst/>
@@ -14821,7 +15438,7 @@
       </p:sp>
       <p:pic>
         <p:nvPicPr>
-          <p:cNvPr id="488" name="Bild" descr="Bild"/>
+          <p:cNvPr id="491" name="Bild" descr="Bild"/>
           <p:cNvPicPr>
             <a:picLocks noChangeAspect="1"/>
           </p:cNvPicPr>
@@ -14876,7 +15493,7 @@
       </p:grpSpPr>
       <p:sp>
         <p:nvSpPr>
-          <p:cNvPr id="490" name="Foliennummer"/>
+          <p:cNvPr id="493" name="Foliennummer"/>
           <p:cNvSpPr txBox="1"/>
           <p:nvPr>
             <p:ph type="sldNum" sz="quarter" idx="2"/>
@@ -14907,7 +15524,7 @@
       </p:sp>
       <p:sp>
         <p:nvSpPr>
-          <p:cNvPr id="491" name="Abschluss"/>
+          <p:cNvPr id="494" name="Abschluss"/>
           <p:cNvSpPr txBox="1"/>
           <p:nvPr>
             <p:ph type="title"/>
@@ -14957,7 +15574,7 @@
       </p:grpSpPr>
       <p:sp>
         <p:nvSpPr>
-          <p:cNvPr id="493" name="Foliennummer"/>
+          <p:cNvPr id="496" name="Foliennummer"/>
           <p:cNvSpPr txBox="1"/>
           <p:nvPr>
             <p:ph type="sldNum" sz="quarter" idx="2"/>
@@ -14988,7 +15605,7 @@
       </p:sp>
       <p:sp>
         <p:nvSpPr>
-          <p:cNvPr id="494" name="Hinweise"/>
+          <p:cNvPr id="497" name="Hinweise"/>
           <p:cNvSpPr txBox="1"/>
           <p:nvPr>
             <p:ph type="body" sz="quarter" idx="1"/>
@@ -15016,7 +15633,7 @@
       </p:sp>
       <p:sp>
         <p:nvSpPr>
-          <p:cNvPr id="495" name="Dieses Dokument steht unter der Lizenz CC-BY 3.0.…"/>
+          <p:cNvPr id="498" name="Dieses Dokument steht unter der Lizenz CC-BY 3.0.…"/>
           <p:cNvSpPr txBox="1"/>
           <p:nvPr>
             <p:ph type="body" idx="21"/>
@@ -15108,6 +15725,38 @@
             </a:pPr>
             <a:r>
               <a:t>Dieses Dokument baut in Teilen auf auf dem Skript zu quantitative Methoden des ifes-Instituts der FOM-Hochschule. </a:t>
+            </a:r>
+          </a:p>
+          <a:p>
+            <a:pPr marL="317500" indent="-317500">
+              <a:buClr>
+                <a:schemeClr val="accent5">
+                  <a:lumOff val="-7647"/>
+                </a:schemeClr>
+              </a:buClr>
+              <a:buSzPct val="200000"/>
+              <a:buFontTx/>
+              <a:buChar char="‣"/>
+            </a:pPr>
+            <a:r>
+              <a:t>Die in diesem Skript angewandte R-Syntax findet sich in </a:t>
+            </a:r>
+            <a:r>
+              <a:rPr u="sng">
+                <a:solidFill>
+                  <a:srgbClr val="0000FF"/>
+                </a:solidFill>
+                <a:uFill>
+                  <a:solidFill>
+                    <a:srgbClr val="0000FF"/>
+                  </a:solidFill>
+                </a:uFill>
+                <a:hlinkClick r:id="rId2" invalidUrl="" action="" tgtFrame="" tooltip="" history="1" highlightClick="0" endSnd="0"/>
+              </a:rPr>
+              <a:t>diesem Ordner</a:t>
+            </a:r>
+            <a:r>
+              <a:t>.</a:t>
             </a:r>
           </a:p>
         </p:txBody>
@@ -15212,7 +15861,7 @@
         <p:spPr>
           <a:xfrm>
             <a:off x="152400" y="1919480"/>
-            <a:ext cx="12700001" cy="6159501"/>
+            <a:ext cx="12700000" cy="6159501"/>
           </a:xfrm>
           <a:prstGeom prst="rect">
             <a:avLst/>
@@ -15519,6 +16168,10 @@
           </p:nvPr>
         </p:nvSpPr>
         <p:spPr>
+          <a:xfrm>
+            <a:off x="6238180" y="1905000"/>
+            <a:ext cx="6760469" cy="7210212"/>
+          </a:xfrm>
           <a:prstGeom prst="rect">
             <a:avLst/>
           </a:prstGeom>
@@ -15571,6 +16224,12 @@
             <a:pPr/>
             <a:r>
               <a:t>Grund dafür ist, dass sich die letzte Ausprägung ableiten lässt aus den übrigen Indikatorvariablen: Haben die übrigen Indikatorvariablen alle den Wert Null, so weist die betreffende Beobachtung die k-te Stufe der Prädiktors auf.</a:t>
+            </a:r>
+          </a:p>
+          <a:p>
+            <a:pPr/>
+            <a:r>
+              <a:t>Praktischerweise wird die Umwandlung in Dummy-Variablen zumeist von der Software automatisch übernommen.</a:t>
             </a:r>
           </a:p>
         </p:txBody>
@@ -16356,7 +17015,7 @@
       </p:grpSpPr>
       <p:sp>
         <p:nvSpPr>
-          <p:cNvPr id="359" name="IQ von Kindern, binärer Prädiktor"/>
+          <p:cNvPr id="359" name="IQ von Kindern, binärer Prädiktor (Modell m1)"/>
           <p:cNvSpPr txBox="1"/>
           <p:nvPr>
             <p:ph type="body" sz="quarter" idx="1"/>
@@ -16373,7 +17032,19 @@
           <a:p>
             <a:pPr/>
             <a:r>
-              <a:t>IQ von Kindern, binärer Prädiktor</a:t>
+              <a:t>IQ von Kindern, binärer Prädiktor (Modell </a:t>
+            </a:r>
+            <a:r>
+              <a:rPr>
+                <a:latin typeface="Courier"/>
+                <a:ea typeface="Courier"/>
+                <a:cs typeface="Courier"/>
+                <a:sym typeface="Courier"/>
+              </a:rPr>
+              <a:t>m1</a:t>
+            </a:r>
+            <a:r>
+              <a:t>)</a:t>
             </a:r>
           </a:p>
         </p:txBody>
@@ -16402,7 +17073,11 @@
           <a:p>
             <a:pPr/>
             <a:r>
-              <a:t>Forschungsfrage: Unterscheidet sich der mittlere IQ-Wert (</a:t>
+              <a:rPr i="1"/>
+              <a:t>Forschungsfrage</a:t>
+            </a:r>
+            <a:r>
+              <a:t>: Unterscheidet sich der mittlere IQ-Wert (</a:t>
             </a:r>
             <a:r>
               <a:rPr>
@@ -16477,14 +17152,32 @@
           <a:p>
             <a:pPr/>
             <a:r>
-              <a:t>Das Regressionsgewicht (slope, b) ist der Unterschied im IQ-Wert von Kindern </a:t>
+              <a:t>Das Regressionsgewicht (slope, b1) ist der Unterschied im mittleren IQ-Wert von Kindern </a:t>
             </a:r>
             <a:r>
               <a:rPr i="1"/>
               <a:t>von Mütter mit Schlulabschluss</a:t>
             </a:r>
             <a:r>
-              <a:t> (im Vergleich zum IQ-Wert von Kindern mit Mütter ohne Schlusabschluss). Dieser Unterschied entspricht der Steigung der Regressionsgerade:</a:t>
+              <a:t> (</a:t>
+            </a:r>
+            <a:r>
+              <a:rPr>
+                <a:latin typeface="Courier"/>
+                <a:ea typeface="Courier"/>
+                <a:cs typeface="Courier"/>
+                <a:sym typeface="Courier"/>
+              </a:rPr>
+              <a:t>mom_hs</a:t>
+            </a:r>
+            <a:r>
+              <a:t>; im Vergleich zum IQ-Wert von Kindern mit Mütter ohne Schlusabschluss). </a:t>
+            </a:r>
+          </a:p>
+          <a:p>
+            <a:pPr/>
+            <a:r>
+              <a:t>Dieser Unterschied entspricht der Steigung der Regressionsgerade:</a:t>
             </a:r>
           </a:p>
           <a:p>
@@ -16533,9 +17226,129 @@
           </a:p>
         </p:txBody>
       </p:sp>
+      <p:sp>
+        <p:nvSpPr>
+          <p:cNvPr id="362" name="Gleichung"/>
+          <p:cNvSpPr txBox="1"/>
+          <p:nvPr/>
+        </p:nvSpPr>
+        <p:spPr>
+          <a:xfrm>
+            <a:off x="6332293" y="8177025"/>
+            <a:ext cx="5689525" cy="534216"/>
+          </a:xfrm>
+          <a:prstGeom prst="rect">
+            <a:avLst/>
+          </a:prstGeom>
+          <a:ln w="12700">
+            <a:miter lim="400000"/>
+          </a:ln>
+        </p:spPr>
+        <p:txBody>
+          <a:bodyPr wrap="none" lIns="0" tIns="0" rIns="0" bIns="0">
+            <a:spAutoFit/>
+          </a:bodyPr>
+          <a:lstStyle/>
+          <a:p>
+            <a:pPr indent="0" latinLnBrk="1">
+              <a:buClrTx/>
+              <a:buFontTx/>
+              <a:defRPr sz="1800"/>
+            </a:pPr>
+            <a14:m>
+              <m:oMathPara>
+                <m:oMathParaPr>
+                  <m:jc m:val="centerGroup"/>
+                </m:oMathParaPr>
+                <m:oMath>
+                  <m:limUpp>
+                    <m:e>
+                      <m:r>
+                        <m:rPr>
+                          <m:sty m:val="p"/>
+                        </m:rPr>
+                        <a:rPr xmlns:a="http://schemas.openxmlformats.org/drawingml/2006/main" sz="4500" i="1">
+                          <a:solidFill>
+                            <a:srgbClr val="000000"/>
+                          </a:solidFill>
+                          <a:latin typeface="Cambria Math" panose="02040503050406030204" pitchFamily="18" charset="0"/>
+                        </a:rPr>
+                        <m:t>m</m:t>
+                      </m:r>
+                      <m:r>
+                        <a:rPr xmlns:a="http://schemas.openxmlformats.org/drawingml/2006/main" sz="4500" i="1">
+                          <a:solidFill>
+                            <a:srgbClr val="000000"/>
+                          </a:solidFill>
+                          <a:latin typeface="Cambria Math" panose="02040503050406030204" pitchFamily="18" charset="0"/>
+                        </a:rPr>
+                        <m:t>1</m:t>
+                      </m:r>
+                      <m:r>
+                        <a:rPr xmlns:a="http://schemas.openxmlformats.org/drawingml/2006/main" sz="4500" i="1">
+                          <a:solidFill>
+                            <a:srgbClr val="000000"/>
+                          </a:solidFill>
+                          <a:latin typeface="Cambria Math" panose="02040503050406030204" pitchFamily="18" charset="0"/>
+                        </a:rPr>
+                        <m:t>:</m:t>
+                      </m:r>
+                    </m:e>
+                    <m:lim>
+                      <m:r>
+                        <a:rPr xmlns:a="http://schemas.openxmlformats.org/drawingml/2006/main" sz="4500" i="1">
+                          <a:solidFill>
+                            <a:srgbClr val="000000"/>
+                          </a:solidFill>
+                          <a:latin typeface="Cambria Math" panose="02040503050406030204" pitchFamily="18" charset="0"/>
+                        </a:rPr>
+                        <m:t>̂</m:t>
+                      </m:r>
+                    </m:lim>
+                  </m:limUpp>
+                  <m:r>
+                    <m:rPr>
+                      <m:nor/>
+                    </m:rPr>
+                    <a:rPr xmlns:a="http://schemas.openxmlformats.org/drawingml/2006/main" sz="4500" i="1">
+                      <a:solidFill>
+                        <a:srgbClr val="000000"/>
+                      </a:solidFill>
+                      <a:latin typeface="Cambria Math" panose="02040503050406030204" pitchFamily="18" charset="0"/>
+                    </a:rPr>
+                    <m:t>kid score</m:t>
+                  </m:r>
+                  <m:r>
+                    <a:rPr xmlns:a="http://schemas.openxmlformats.org/drawingml/2006/main" sz="4500" i="1">
+                      <a:solidFill>
+                        <a:srgbClr val="000000"/>
+                      </a:solidFill>
+                      <a:latin typeface="Cambria Math" panose="02040503050406030204" pitchFamily="18" charset="0"/>
+                    </a:rPr>
+                    <m:t>∼</m:t>
+                  </m:r>
+                  <m:r>
+                    <m:rPr>
+                      <m:nor/>
+                    </m:rPr>
+                    <a:rPr xmlns:a="http://schemas.openxmlformats.org/drawingml/2006/main" sz="4500" i="1">
+                      <a:solidFill>
+                        <a:srgbClr val="000000"/>
+                      </a:solidFill>
+                      <a:latin typeface="Cambria Math" panose="02040503050406030204" pitchFamily="18" charset="0"/>
+                    </a:rPr>
+                    <m:t>mom hs</m:t>
+                  </m:r>
+                </m:oMath>
+              </m:oMathPara>
+            </a14:m>
+            <a:endParaRPr sz="4500"/>
+          </a:p>
+        </p:txBody>
+      </p:sp>
       <p:pic>
         <p:nvPicPr>
-          <p:cNvPr id="362" name="Bild" descr="Bild"/>
+          <p:cNvPr id="363" name="Bild" descr="Bild"/>
           <p:cNvPicPr>
             <a:picLocks noChangeAspect="1"/>
           </p:cNvPicPr>
@@ -16551,8 +17364,8 @@
         </p:blipFill>
         <p:spPr>
           <a:xfrm>
-            <a:off x="533400" y="2101850"/>
-            <a:ext cx="5080000" cy="6159500"/>
+            <a:off x="667360" y="2061490"/>
+            <a:ext cx="4552340" cy="6828511"/>
           </a:xfrm>
           <a:prstGeom prst="rect">
             <a:avLst/>
@@ -16590,7 +17403,7 @@
       </p:grpSpPr>
       <p:sp>
         <p:nvSpPr>
-          <p:cNvPr id="364" name="Regressionskoeffizient als Mittelwertsdifferenz"/>
+          <p:cNvPr id="365" name="Regressionskoeffizient als Mittelwertsdifferenz"/>
           <p:cNvSpPr txBox="1"/>
           <p:nvPr>
             <p:ph type="body" sz="quarter" idx="1"/>
@@ -16614,13 +17427,17 @@
       </p:sp>
       <p:sp>
         <p:nvSpPr>
-          <p:cNvPr id="365" name="Textebene 1"/>
+          <p:cNvPr id="366" name="Textebene 1"/>
           <p:cNvSpPr txBox="1"/>
           <p:nvPr>
             <p:ph type="body" idx="21"/>
           </p:nvPr>
         </p:nvSpPr>
         <p:spPr>
+          <a:xfrm>
+            <a:off x="6314380" y="1701800"/>
+            <a:ext cx="6760469" cy="6350000"/>
+          </a:xfrm>
           <a:prstGeom prst="rect">
             <a:avLst/>
           </a:prstGeom>
@@ -16654,7 +17471,13 @@
           <a:p>
             <a:pPr/>
             <a:r>
-              <a:t>Die Konfidenzintervalle (CI) geben Aufschluss über den Bereich plausibler Werte für die Schätzung</a:t>
+              <a:t>Dieser Schätzwert ist identisch zum Mittelwertsunterschied zwischen den beiden Gruppen (mit vs. ohne Schulabschluss)</a:t>
+            </a:r>
+          </a:p>
+          <a:p>
+            <a:pPr/>
+            <a:r>
+              <a:t>Die Konfidenzintervalle (CI) geben Aufschluss über den Bereich plausibler Werte für die Schätzung:</a:t>
             </a:r>
           </a:p>
           <a:p>
@@ -16669,7 +17492,7 @@
               <a:buChar char="‣"/>
             </a:pPr>
             <a:r>
-              <a:t>Der Wert 0.95 gibt die Genauigkeit des Schätzbereichs an</a:t>
+              <a:t>Der Wert 0.95 gibt die Genauigkeit des Schätzbereichs an: Mit 95%-Wahrscheinlichkeit liegt der gesuchte Wert in der Population im angegebenen Intervall*, laut Modell </a:t>
             </a:r>
           </a:p>
           <a:p>
@@ -16691,7 +17514,7 @@
       </p:sp>
       <p:sp>
         <p:nvSpPr>
-          <p:cNvPr id="366" name="Foliennummer"/>
+          <p:cNvPr id="367" name="Foliennummer"/>
           <p:cNvSpPr txBox="1"/>
           <p:nvPr>
             <p:ph type="sldNum" sz="quarter" idx="2"/>
@@ -16722,7 +17545,7 @@
       </p:sp>
       <p:pic>
         <p:nvPicPr>
-          <p:cNvPr id="367" name="Bild" descr="Bild"/>
+          <p:cNvPr id="368" name="Bild" descr="Bild"/>
           <p:cNvPicPr>
             <a:picLocks noChangeAspect="1"/>
           </p:cNvPicPr>
@@ -16738,8 +17561,8 @@
         </p:blipFill>
         <p:spPr>
           <a:xfrm>
-            <a:off x="6477000" y="6096000"/>
-            <a:ext cx="5334000" cy="2209800"/>
+            <a:off x="292100" y="2254250"/>
+            <a:ext cx="5080000" cy="6159500"/>
           </a:xfrm>
           <a:prstGeom prst="rect">
             <a:avLst/>
@@ -16749,9 +17572,45 @@
           </a:ln>
         </p:spPr>
       </p:pic>
+      <p:sp>
+        <p:nvSpPr>
+          <p:cNvPr id="369" name="* Bayesianische Interpretation"/>
+          <p:cNvSpPr txBox="1"/>
+          <p:nvPr/>
+        </p:nvSpPr>
+        <p:spPr>
+          <a:xfrm>
+            <a:off x="147726" y="9088926"/>
+            <a:ext cx="3285253" cy="434847"/>
+          </a:xfrm>
+          <a:prstGeom prst="rect">
+            <a:avLst/>
+          </a:prstGeom>
+          <a:ln w="12700">
+            <a:miter lim="400000"/>
+          </a:ln>
+          <a:extLst>
+            <a:ext uri="{C572A759-6A51-4108-AA02-DFA0A04FC94B}">
+              <ma14:wrappingTextBoxFlag xmlns:ma14="http://schemas.microsoft.com/office/mac/drawingml/2011/main" val="1"/>
+            </a:ext>
+          </a:extLst>
+        </p:spPr>
+        <p:txBody>
+          <a:bodyPr wrap="none" lIns="65022" tIns="65022" rIns="65022" bIns="65022">
+            <a:spAutoFit/>
+          </a:bodyPr>
+          <a:lstStyle/>
+          <a:p>
+            <a:pPr/>
+            <a:r>
+              <a:t>* Bayesianische Interpretation</a:t>
+            </a:r>
+          </a:p>
+        </p:txBody>
+      </p:sp>
       <p:pic>
         <p:nvPicPr>
-          <p:cNvPr id="368" name="Bild" descr="Bild"/>
+          <p:cNvPr id="370" name="Bild" descr="Bild"/>
           <p:cNvPicPr>
             <a:picLocks noChangeAspect="1"/>
           </p:cNvPicPr>
@@ -16767,8 +17626,8 @@
         </p:blipFill>
         <p:spPr>
           <a:xfrm>
-            <a:off x="292100" y="2254250"/>
-            <a:ext cx="5080000" cy="6159500"/>
+            <a:off x="6623050" y="7131050"/>
+            <a:ext cx="5676900" cy="1841500"/>
           </a:xfrm>
           <a:prstGeom prst="rect">
             <a:avLst/>

--- a/Skript-Folien/QM1-Thema11.pptx
+++ b/Skript-Folien/QM1-Thema11.pptx
@@ -12281,14 +12281,14 @@
       </p:sp>
       <p:sp>
         <p:nvSpPr>
-          <p:cNvPr id="431" name="m4: kid_score ~ mom_iq + mom_hs + error"/>
+          <p:cNvPr id="431" name="m4: kid_score ~ mom_iq + mom_hs + Interaktion + error"/>
           <p:cNvSpPr txBox="1"/>
           <p:nvPr/>
         </p:nvSpPr>
         <p:spPr>
           <a:xfrm>
-            <a:off x="334568" y="8380476"/>
-            <a:ext cx="6087314" cy="434847"/>
+            <a:off x="436168" y="8860326"/>
+            <a:ext cx="8221261" cy="434847"/>
           </a:xfrm>
           <a:prstGeom prst="rect">
             <a:avLst/>
@@ -12306,8 +12306,9 @@
           <a:bodyPr wrap="none" lIns="65022" tIns="65022" rIns="65022" bIns="65022">
             <a:spAutoFit/>
           </a:bodyPr>
-          <a:lstStyle>
-            <a:lvl1pPr indent="0" defTabSz="457200">
+          <a:lstStyle/>
+          <a:p>
+            <a:pPr indent="0" defTabSz="457200">
               <a:spcBef>
                 <a:spcPts val="2000"/>
               </a:spcBef>
@@ -12322,12 +12323,20 @@
                 <a:cs typeface="Courier"/>
                 <a:sym typeface="Courier"/>
               </a:defRPr>
-            </a:lvl1pPr>
-          </a:lstStyle>
-          <a:p>
-            <a:pPr/>
-            <a:r>
-              <a:t>m4: kid_score ~ mom_iq + mom_hs + error</a:t>
+            </a:pPr>
+            <a:r>
+              <a:t>m4: kid_score ~ mom_iq + mom_hs + </a:t>
+            </a:r>
+            <a:r>
+              <a:rPr b="1">
+                <a:solidFill>
+                  <a:schemeClr val="accent5"/>
+                </a:solidFill>
+              </a:rPr>
+              <a:t>Interaktion</a:t>
+            </a:r>
+            <a:r>
+              <a:t> + error</a:t>
             </a:r>
           </a:p>
         </p:txBody>
@@ -12373,14 +12382,15 @@
           <a:blip r:embed="rId3">
             <a:extLst/>
           </a:blip>
+          <a:srcRect l="0" t="0" r="32580" b="0"/>
           <a:stretch>
             <a:fillRect/>
           </a:stretch>
         </p:blipFill>
         <p:spPr>
           <a:xfrm>
-            <a:off x="6686550" y="6032500"/>
-            <a:ext cx="5637878" cy="3138166"/>
+            <a:off x="8426450" y="5969000"/>
+            <a:ext cx="3257801" cy="2689676"/>
           </a:xfrm>
           <a:prstGeom prst="rect">
             <a:avLst/>
@@ -12425,6 +12435,10 @@
           </p:nvPr>
         </p:nvSpPr>
         <p:spPr>
+          <a:xfrm>
+            <a:off x="-4087" y="-6028"/>
+            <a:ext cx="13012975" cy="1413937"/>
+          </a:xfrm>
           <a:prstGeom prst="rect">
             <a:avLst/>
           </a:prstGeom>
@@ -12449,6 +12463,10 @@
           </p:nvPr>
         </p:nvSpPr>
         <p:spPr>
+          <a:xfrm>
+            <a:off x="282297" y="1905000"/>
+            <a:ext cx="12248713" cy="7357405"/>
+          </a:xfrm>
           <a:prstGeom prst="rect">
             <a:avLst/>
           </a:prstGeom>
@@ -12462,7 +12480,12 @@
           <a:bodyPr/>
           <a:lstStyle/>
           <a:p>
-            <a:pPr/>
+            <a:pPr marL="307975" marR="123190" indent="-307975" defTabSz="1261465">
+              <a:spcBef>
+                <a:spcPts val="900"/>
+              </a:spcBef>
+              <a:defRPr sz="1940"/>
+            </a:pPr>
             <a:r>
               <a:rPr>
                 <a:latin typeface="Roboto Condensed Bold"/>
@@ -12477,7 +12500,12 @@
             </a:r>
           </a:p>
           <a:p>
-            <a:pPr/>
+            <a:pPr marL="307975" marR="123190" indent="-307975" defTabSz="1261465">
+              <a:spcBef>
+                <a:spcPts val="900"/>
+              </a:spcBef>
+              <a:defRPr sz="1940"/>
+            </a:pPr>
             <a:r>
               <a:rPr>
                 <a:latin typeface="Roboto Condensed Bold"/>
@@ -12492,7 +12520,12 @@
             </a:r>
           </a:p>
           <a:p>
-            <a:pPr/>
+            <a:pPr marL="307975" marR="123190" indent="-307975" defTabSz="1261465">
+              <a:spcBef>
+                <a:spcPts val="900"/>
+              </a:spcBef>
+              <a:defRPr sz="1940"/>
+            </a:pPr>
             <a:r>
               <a:rPr>
                 <a:latin typeface="Roboto Condensed Bold"/>
@@ -12507,7 +12540,12 @@
             </a:r>
           </a:p>
           <a:p>
-            <a:pPr/>
+            <a:pPr marL="307975" marR="123190" indent="-307975" defTabSz="1261465">
+              <a:spcBef>
+                <a:spcPts val="900"/>
+              </a:spcBef>
+              <a:defRPr sz="1940"/>
+            </a:pPr>
             <a:r>
               <a:rPr>
                 <a:latin typeface="Roboto Condensed Bold"/>
@@ -12530,11 +12568,16 @@
               <a:t>mom_iq</a:t>
             </a:r>
             <a:r>
-              <a:t> zwischen Müttern mit bzw. ohne Schulabschluss.</a:t>
-            </a:r>
-          </a:p>
-          <a:p>
-            <a:pPr/>
+              <a:t> zwischen Müttern mit bzw. ohne Schulabschluss. Die Interaktion wird als Produkt beider Prädiktoren dargestellt.</a:t>
+            </a:r>
+          </a:p>
+          <a:p>
+            <a:pPr marL="307975" marR="123190" indent="-307975" defTabSz="1261465">
+              <a:spcBef>
+                <a:spcPts val="900"/>
+              </a:spcBef>
+              <a:defRPr sz="1940"/>
+            </a:pPr>
             <a:r>
               <a:t>Der Wert von </a:t>
             </a:r>
@@ -12552,18 +12595,25 @@
             </a:r>
           </a:p>
           <a:p>
-            <a:pPr marL="0" indent="0">
+            <a:pPr marL="0" marR="123190" indent="0" defTabSz="1261465">
+              <a:spcBef>
+                <a:spcPts val="900"/>
+              </a:spcBef>
               <a:buClrTx/>
               <a:buSzTx/>
               <a:buNone/>
+              <a:defRPr sz="1940"/>
             </a:pPr>
           </a:p>
           <a:p>
-            <a:pPr marL="0" indent="0">
+            <a:pPr marL="0" marR="123190" indent="0" defTabSz="1261465">
+              <a:spcBef>
+                <a:spcPts val="900"/>
+              </a:spcBef>
               <a:buClrTx/>
               <a:buSzTx/>
               <a:buNone/>
-              <a:defRPr>
+              <a:defRPr sz="1940">
                 <a:latin typeface="Courier"/>
                 <a:ea typeface="Courier"/>
                 <a:cs typeface="Courier"/>
@@ -12575,11 +12625,14 @@
             </a:r>
           </a:p>
           <a:p>
-            <a:pPr marL="0" indent="0">
+            <a:pPr marL="0" marR="123190" indent="0" defTabSz="1261465">
+              <a:spcBef>
+                <a:spcPts val="900"/>
+              </a:spcBef>
               <a:buClrTx/>
               <a:buSzTx/>
               <a:buNone/>
-              <a:defRPr>
+              <a:defRPr sz="1940">
                 <a:latin typeface="Courier"/>
                 <a:ea typeface="Courier"/>
                 <a:cs typeface="Courier"/>
@@ -12587,15 +12640,31 @@
               </a:defRPr>
             </a:pPr>
             <a:r>
-              <a:t>kid_score = -11 + 51*0 + 1.1* mom_iq + 0.5*0*mom_iq = -11 + 1.1*mom_iq</a:t>
-            </a:r>
-          </a:p>
-          <a:p>
-            <a:pPr marL="0" indent="0">
+              <a:t>kid_score = -11 + 51*0 + 1.1*mom_iq + 0.5*</a:t>
+            </a:r>
+            <a:r>
+              <a:rPr b="1">
+                <a:solidFill>
+                  <a:schemeClr val="accent5">
+                    <a:lumOff val="-7647"/>
+                  </a:schemeClr>
+                </a:solidFill>
+              </a:rPr>
+              <a:t>0</a:t>
+            </a:r>
+            <a:r>
+              <a:t>*mom_iq = -11 + 1.1*mom_iq</a:t>
+            </a:r>
+          </a:p>
+          <a:p>
+            <a:pPr marL="0" marR="123190" indent="0" defTabSz="1261465">
+              <a:spcBef>
+                <a:spcPts val="900"/>
+              </a:spcBef>
               <a:buClrTx/>
               <a:buSzTx/>
               <a:buNone/>
-              <a:defRPr>
+              <a:defRPr sz="1940">
                 <a:latin typeface="Courier"/>
                 <a:ea typeface="Courier"/>
                 <a:cs typeface="Courier"/>
@@ -12604,11 +12673,14 @@
             </a:pPr>
           </a:p>
           <a:p>
-            <a:pPr marL="0" indent="0">
+            <a:pPr marL="0" marR="123190" indent="0" defTabSz="1261465">
+              <a:spcBef>
+                <a:spcPts val="900"/>
+              </a:spcBef>
               <a:buClrTx/>
               <a:buSzTx/>
               <a:buNone/>
-              <a:defRPr>
+              <a:defRPr sz="1940">
                 <a:latin typeface="Courier"/>
                 <a:ea typeface="Courier"/>
                 <a:cs typeface="Courier"/>
@@ -12620,11 +12692,14 @@
             </a:r>
           </a:p>
           <a:p>
-            <a:pPr marL="0" indent="0">
+            <a:pPr marL="0" marR="123190" indent="0" defTabSz="1261465">
+              <a:spcBef>
+                <a:spcPts val="900"/>
+              </a:spcBef>
               <a:buClrTx/>
               <a:buSzTx/>
               <a:buNone/>
-              <a:defRPr>
+              <a:defRPr sz="1940">
                 <a:latin typeface="Courier"/>
                 <a:ea typeface="Courier"/>
                 <a:cs typeface="Courier"/>
@@ -12632,7 +12707,84 @@
               </a:defRPr>
             </a:pPr>
             <a:r>
-              <a:t>kid_score = -11 + 51*1 + 1.1* mom_iq + 0.5*1*mom_iq = 40 + 0.6*mom_iq</a:t>
+              <a:t>kid_score = -11 + 51*1 + 1.1*mom_iq + 0.5*</a:t>
+            </a:r>
+            <a:r>
+              <a:rPr b="1">
+                <a:solidFill>
+                  <a:schemeClr val="accent5">
+                    <a:lumOff val="-7647"/>
+                  </a:schemeClr>
+                </a:solidFill>
+              </a:rPr>
+              <a:t>1</a:t>
+            </a:r>
+            <a:r>
+              <a:t>*mom_iq = 40 + 0.6*mom_iq</a:t>
+            </a:r>
+          </a:p>
+          <a:p>
+            <a:pPr marL="0" marR="123190" indent="0" defTabSz="1261465">
+              <a:spcBef>
+                <a:spcPts val="900"/>
+              </a:spcBef>
+              <a:buClrTx/>
+              <a:buSzTx/>
+              <a:buNone/>
+              <a:defRPr sz="1940">
+                <a:latin typeface="Courier"/>
+                <a:ea typeface="Courier"/>
+                <a:cs typeface="Courier"/>
+                <a:sym typeface="Courier"/>
+              </a:defRPr>
+            </a:pPr>
+          </a:p>
+          <a:p>
+            <a:pPr marL="0" marR="123190" indent="0" defTabSz="1261465">
+              <a:spcBef>
+                <a:spcPts val="900"/>
+              </a:spcBef>
+              <a:buClrTx/>
+              <a:buSzTx/>
+              <a:buNone/>
+              <a:defRPr sz="1940">
+                <a:latin typeface="Courier"/>
+                <a:ea typeface="Courier"/>
+                <a:cs typeface="Courier"/>
+                <a:sym typeface="Courier"/>
+              </a:defRPr>
+            </a:pPr>
+            <a:r>
+              <a:t>allgemein:</a:t>
+            </a:r>
+          </a:p>
+          <a:p>
+            <a:pPr marL="0" marR="123190" indent="0" defTabSz="1261465">
+              <a:spcBef>
+                <a:spcPts val="900"/>
+              </a:spcBef>
+              <a:buClrTx/>
+              <a:buSzTx/>
+              <a:buNone/>
+              <a:defRPr sz="1940">
+                <a:latin typeface="Courier"/>
+                <a:ea typeface="Courier"/>
+                <a:cs typeface="Courier"/>
+                <a:sym typeface="Courier"/>
+              </a:defRPr>
+            </a:pPr>
+            <a:r>
+              <a:t>kid_score = b0 + b1*hs + b2*mom_iq + </a:t>
+            </a:r>
+            <a:r>
+              <a:rPr b="1">
+                <a:solidFill>
+                  <a:schemeClr val="accent5">
+                    <a:lumOff val="-7647"/>
+                  </a:schemeClr>
+                </a:solidFill>
+              </a:rPr>
+              <a:t>b3*mom_hs*mom_iq</a:t>
             </a:r>
           </a:p>
         </p:txBody>
@@ -12748,25 +12900,92 @@
           <a:p>
             <a:pPr/>
             <a:r>
-              <a:t>Daher ist es oft sinnvoll, die Rohvariablen zu zentrieren.</a:t>
-            </a:r>
-          </a:p>
-          <a:p>
-            <a:pPr/>
-            <a:r>
-              <a:t>Zentrierte Prädiktoren erlauben oft eine viel einfachere Interpretation der Koeffizienten.</a:t>
-            </a:r>
-          </a:p>
-          <a:p>
-            <a:pPr/>
-            <a:r>
-              <a:t>Unter Zentrieren (to center) versteht man das Bilden der Differenz eines Messwerts zu seinem Mittelwert.</a:t>
-            </a:r>
-          </a:p>
-          <a:p>
-            <a:pPr/>
-            <a:r>
-              <a:t>Zentrierte Werte (c wie centered) geben also an, wie weit ein Messwert vom mittleren (typischen) Messwert entfernt ist.</a:t>
+              <a:t>Daher ist es oft sinnvoll, die Rohvariablen zu </a:t>
+            </a:r>
+            <a:r>
+              <a:rPr>
+                <a:latin typeface="Roboto Condensed Bold"/>
+                <a:ea typeface="Roboto Condensed Bold"/>
+                <a:cs typeface="Roboto Condensed Bold"/>
+                <a:sym typeface="Roboto Condensed Bold"/>
+              </a:rPr>
+              <a:t>zentrieren</a:t>
+            </a:r>
+            <a:r>
+              <a:t>.</a:t>
+            </a:r>
+          </a:p>
+          <a:p>
+            <a:pPr/>
+            <a:r>
+              <a:t>Zentrierte Prädiktoren erlauben oft eine </a:t>
+            </a:r>
+            <a:r>
+              <a:rPr>
+                <a:latin typeface="Roboto Condensed Bold"/>
+                <a:ea typeface="Roboto Condensed Bold"/>
+                <a:cs typeface="Roboto Condensed Bold"/>
+                <a:sym typeface="Roboto Condensed Bold"/>
+              </a:rPr>
+              <a:t>einfachere Interpretation</a:t>
+            </a:r>
+            <a:r>
+              <a:t> der Koeffizienten.</a:t>
+            </a:r>
+          </a:p>
+          <a:p>
+            <a:pPr/>
+            <a:r>
+              <a:t>Unter Zentrieren (to center) versteht man das Bilden der </a:t>
+            </a:r>
+            <a:r>
+              <a:rPr>
+                <a:latin typeface="Roboto Condensed Bold"/>
+                <a:ea typeface="Roboto Condensed Bold"/>
+                <a:cs typeface="Roboto Condensed Bold"/>
+                <a:sym typeface="Roboto Condensed Bold"/>
+              </a:rPr>
+              <a:t>Differenz</a:t>
+            </a:r>
+            <a:r>
+              <a:t> eines </a:t>
+            </a:r>
+            <a:r>
+              <a:rPr>
+                <a:latin typeface="Roboto Condensed Bold"/>
+                <a:ea typeface="Roboto Condensed Bold"/>
+                <a:cs typeface="Roboto Condensed Bold"/>
+                <a:sym typeface="Roboto Condensed Bold"/>
+              </a:rPr>
+              <a:t>Messwerts</a:t>
+            </a:r>
+            <a:r>
+              <a:t> zu seinem </a:t>
+            </a:r>
+            <a:r>
+              <a:rPr>
+                <a:latin typeface="Roboto Condensed Bold"/>
+                <a:ea typeface="Roboto Condensed Bold"/>
+                <a:cs typeface="Roboto Condensed Bold"/>
+                <a:sym typeface="Roboto Condensed Bold"/>
+              </a:rPr>
+              <a:t>Mittelwert</a:t>
+            </a:r>
+            <a:r>
+              <a:t>.</a:t>
+            </a:r>
+          </a:p>
+          <a:p>
+            <a:pPr/>
+            <a:r>
+              <a:t>Zentrierte Werte (</a:t>
+            </a:r>
+            <a:r>
+              <a:rPr i="1"/>
+              <a:t>c</a:t>
+            </a:r>
+            <a:r>
+              <a:t> wie centered) geben also an, wie weit ein Messwert vom mittleren (typischen) Messwert entfernt ist.</a:t>
             </a:r>
           </a:p>
         </p:txBody>
@@ -13262,7 +13481,7 @@
               <a:t>mom_hs</a:t>
             </a:r>
             <a:r>
-              <a:t>.</a:t>
+              <a:t>. Der Doppelpunkt wird in R verwendet, um die Interaktion anzuzeigen. Das hat nichts mit Division zu tun, es sieht nur zufällig so aus.</a:t>
             </a:r>
           </a:p>
         </p:txBody>
@@ -13321,20 +13540,28 @@
           <a:bodyPr wrap="none" lIns="65022" tIns="65022" rIns="65022" bIns="65022">
             <a:spAutoFit/>
           </a:bodyPr>
-          <a:lstStyle>
-            <a:lvl1pPr>
+          <a:lstStyle/>
+          <a:p>
+            <a:pPr>
               <a:defRPr>
                 <a:latin typeface="Courier"/>
                 <a:ea typeface="Courier"/>
                 <a:cs typeface="Courier"/>
                 <a:sym typeface="Courier"/>
               </a:defRPr>
-            </a:lvl1pPr>
-          </a:lstStyle>
-          <a:p>
-            <a:pPr/>
-            <a:r>
-              <a:t>m5: kid_score ~ mom_iq_c + mom_iq_c + mom_iq_c:mom_hs</a:t>
+            </a:pPr>
+            <a:r>
+              <a:t>m5: kid_score ~ mom_iq_c + mom_iq_c + </a:t>
+            </a:r>
+            <a:r>
+              <a:rPr b="1">
+                <a:solidFill>
+                  <a:schemeClr val="accent5">
+                    <a:lumOff val="-7647"/>
+                  </a:schemeClr>
+                </a:solidFill>
+              </a:rPr>
+              <a:t>mom_iq_c:mom_hs</a:t>
             </a:r>
           </a:p>
         </p:txBody>
@@ -13575,6 +13802,42 @@
           </a:ln>
         </p:spPr>
       </p:pic>
+      <p:sp>
+        <p:nvSpPr>
+          <p:cNvPr id="459" name="Nur die Prädiktoren sind zentriert: Ein Wert von Null entspricht dem Mittelwert in den untransformierten Daten."/>
+          <p:cNvSpPr txBox="1"/>
+          <p:nvPr/>
+        </p:nvSpPr>
+        <p:spPr>
+          <a:xfrm>
+            <a:off x="369976" y="8764791"/>
+            <a:ext cx="11272487" cy="434847"/>
+          </a:xfrm>
+          <a:prstGeom prst="rect">
+            <a:avLst/>
+          </a:prstGeom>
+          <a:ln w="12700">
+            <a:miter lim="400000"/>
+          </a:ln>
+          <a:extLst>
+            <a:ext uri="{C572A759-6A51-4108-AA02-DFA0A04FC94B}">
+              <ma14:wrappingTextBoxFlag xmlns:ma14="http://schemas.microsoft.com/office/mac/drawingml/2011/main" val="1"/>
+            </a:ext>
+          </a:extLst>
+        </p:spPr>
+        <p:txBody>
+          <a:bodyPr wrap="none" lIns="65022" tIns="65022" rIns="65022" bIns="65022">
+            <a:spAutoFit/>
+          </a:bodyPr>
+          <a:lstStyle/>
+          <a:p>
+            <a:pPr/>
+            <a:r>
+              <a:t>Nur die Prädiktoren sind zentriert: Ein Wert von Null entspricht dem Mittelwert in den untransformierten Daten.</a:t>
+            </a:r>
+          </a:p>
+        </p:txBody>
+      </p:sp>
     </p:spTree>
   </p:cSld>
   <p:clrMapOvr>
@@ -13603,7 +13866,7 @@
       </p:grpSpPr>
       <p:sp>
         <p:nvSpPr>
-          <p:cNvPr id="460" name="Interaktionseffekt bei mtcars"/>
+          <p:cNvPr id="461" name="Interaktionseffekt bei mtcars"/>
           <p:cNvSpPr txBox="1"/>
           <p:nvPr>
             <p:ph type="body" sz="quarter" idx="1"/>
@@ -13627,7 +13890,7 @@
       </p:sp>
       <p:sp>
         <p:nvSpPr>
-          <p:cNvPr id="461" name="Textebene 1"/>
+          <p:cNvPr id="462" name="Textebene 1"/>
           <p:cNvSpPr txBox="1"/>
           <p:nvPr>
             <p:ph type="body" idx="21"/>
@@ -13647,19 +13910,88 @@
           <a:bodyPr/>
           <a:lstStyle/>
           <a:p>
-            <a:pPr/>
-            <a:r>
-              <a:t>Wirkt sich vielleicht die PS-Zahl unterschiedlich aus (auf den Spritverbrauch) je nach Anzahl der Zylinder des Autos?</a:t>
-            </a:r>
-          </a:p>
-          <a:p>
-            <a:pPr/>
+            <a:pPr marL="314325" marR="125729" indent="-314325" defTabSz="1287475">
+              <a:spcBef>
+                <a:spcPts val="900"/>
+              </a:spcBef>
+              <a:defRPr sz="1979"/>
+            </a:pPr>
+            <a:r>
+              <a:t>Wirkt sich vielleicht die PS-Zahl </a:t>
+            </a:r>
+            <a:r>
+              <a:rPr>
+                <a:latin typeface="Roboto Condensed Bold"/>
+                <a:ea typeface="Roboto Condensed Bold"/>
+                <a:cs typeface="Roboto Condensed Bold"/>
+                <a:sym typeface="Roboto Condensed Bold"/>
+              </a:rPr>
+              <a:t>unterschiedlich</a:t>
+            </a:r>
+            <a:r>
+              <a:t> aus (auf den Spritverbrauch, Y) je nach Anzahl der Zylinder des Autos?</a:t>
+            </a:r>
+          </a:p>
+          <a:p>
+            <a:pPr marL="314325" marR="125729" indent="-314325" defTabSz="1287475">
+              <a:spcBef>
+                <a:spcPts val="900"/>
+              </a:spcBef>
+              <a:defRPr sz="1979"/>
+            </a:pPr>
+            <a:r>
+              <a:t>Wir fragen also noch einer </a:t>
+            </a:r>
+            <a:r>
+              <a:rPr>
+                <a:latin typeface="Roboto Condensed Bold"/>
+                <a:ea typeface="Roboto Condensed Bold"/>
+                <a:cs typeface="Roboto Condensed Bold"/>
+                <a:sym typeface="Roboto Condensed Bold"/>
+              </a:rPr>
+              <a:t>Interaktion</a:t>
+            </a:r>
+            <a:r>
+              <a:t> der beiden Prädiktoren.</a:t>
+            </a:r>
+          </a:p>
+          <a:p>
+            <a:pPr marL="314325" marR="125729" indent="-314325" defTabSz="1287475">
+              <a:spcBef>
+                <a:spcPts val="900"/>
+              </a:spcBef>
+              <a:defRPr sz="1979"/>
+            </a:pPr>
             <a:r>
               <a:t>Hängt die Steigung einer Regressionsgeraden ab von der Ausprägung eines anderen Prädiktors, so liegt ein Interaktionseffekt (synonym: Wechselwirkung, Moderation) vor.</a:t>
             </a:r>
           </a:p>
           <a:p>
-            <a:pPr/>
+            <a:pPr lvl="1" marL="575711" marR="125729" indent="-198521" defTabSz="1287475">
+              <a:spcBef>
+                <a:spcPts val="900"/>
+              </a:spcBef>
+              <a:buClr>
+                <a:schemeClr val="accent5">
+                  <a:lumOff val="-7647"/>
+                </a:schemeClr>
+              </a:buClr>
+              <a:buSzPct val="150000"/>
+              <a:buFontTx/>
+              <a:buChar char="‣"/>
+              <a:defRPr sz="1979"/>
+            </a:pPr>
+            <a:r>
+              <a:t>Mit „abhängen“ ist gemeint, dass die Veränderung in Y nicht gleich ist für alle Werte des Prädiktors X1, sondern sich je nach Wert eines anderen Prädiktors X2 unterscheidet.</a:t>
+            </a:r>
+          </a:p>
+          <a:p>
+            <a:pPr marL="314325" marR="125729" indent="-314325" defTabSz="1287475">
+              <a:spcBef>
+                <a:spcPts val="900"/>
+              </a:spcBef>
+              <a:defRPr sz="1979"/>
+            </a:pPr>
             <a:r>
               <a:t>Im Diagramm erkennt man einen </a:t>
             </a:r>
@@ -13689,13 +14021,23 @@
             </a:r>
           </a:p>
           <a:p>
-            <a:pPr/>
+            <a:pPr marL="314325" marR="125729" indent="-314325" defTabSz="1287475">
+              <a:spcBef>
+                <a:spcPts val="900"/>
+              </a:spcBef>
+              <a:defRPr sz="1979"/>
+            </a:pPr>
             <a:r>
               <a:t>Der statistische Effekt* eines Prädiktors ist dann abhängig von den Ausprägungen eines anderen Prädiktors.</a:t>
             </a:r>
           </a:p>
           <a:p>
-            <a:pPr/>
+            <a:pPr marL="314325" marR="125729" indent="-314325" defTabSz="1287475">
+              <a:spcBef>
+                <a:spcPts val="900"/>
+              </a:spcBef>
+              <a:defRPr sz="1979"/>
+            </a:pPr>
             <a:r>
               <a:t>Die Steigung der Regressionsgeraden ist unterschiedlich je nach Gruppe (von cyl).</a:t>
             </a:r>
@@ -13704,7 +14046,7 @@
       </p:sp>
       <p:sp>
         <p:nvSpPr>
-          <p:cNvPr id="462" name="Foliennummer"/>
+          <p:cNvPr id="463" name="Foliennummer"/>
           <p:cNvSpPr txBox="1"/>
           <p:nvPr>
             <p:ph type="sldNum" sz="quarter" idx="2"/>
@@ -13731,7 +14073,7 @@
       </p:sp>
       <p:pic>
         <p:nvPicPr>
-          <p:cNvPr id="463" name="Bild" descr="Bild"/>
+          <p:cNvPr id="464" name="Bild" descr="Bild"/>
           <p:cNvPicPr>
             <a:picLocks noChangeAspect="1"/>
           </p:cNvPicPr>
@@ -13760,13 +14102,13 @@
       </p:pic>
       <p:sp>
         <p:nvSpPr>
-          <p:cNvPr id="464" name="* Wir machen hier keine Kausalaussagen, sondern nur Vorhersagen, die nur auf statistischen Abhängigkeiten (Korrelationen) aufbauen."/>
+          <p:cNvPr id="465" name="* Wir machen hier keine Kausalaussagen, sondern nur Vorhersagen, die nur auf statistischen Abhängigkeiten (Korrelationen) aufbauen."/>
           <p:cNvSpPr txBox="1"/>
           <p:nvPr/>
         </p:nvSpPr>
         <p:spPr>
           <a:xfrm>
-            <a:off x="274726" y="8936526"/>
+            <a:off x="424075" y="8568226"/>
             <a:ext cx="12182050" cy="739647"/>
           </a:xfrm>
           <a:prstGeom prst="rect">
@@ -13822,7 +14164,7 @@
       </p:grpSpPr>
       <p:sp>
         <p:nvSpPr>
-          <p:cNvPr id="466" name="Koeffizienten bei Interaktionsmodell für mtcars"/>
+          <p:cNvPr id="467" name="Koeffizienten bei Interaktionsmodell für mtcars"/>
           <p:cNvSpPr txBox="1"/>
           <p:nvPr>
             <p:ph type="body" sz="quarter" idx="1"/>
@@ -13846,7 +14188,7 @@
       </p:sp>
       <p:sp>
         <p:nvSpPr>
-          <p:cNvPr id="467" name="Textebene 1"/>
+          <p:cNvPr id="468" name="Textebene 1"/>
           <p:cNvSpPr txBox="1"/>
           <p:nvPr>
             <p:ph type="body" idx="21"/>
@@ -13870,11 +14212,11 @@
           <a:bodyPr/>
           <a:lstStyle/>
           <a:p>
-            <a:pPr marL="314325" marR="125729" indent="-314325" defTabSz="1287475">
+            <a:pPr marL="311150" marR="124460" indent="-311150" defTabSz="1274470">
               <a:spcBef>
                 <a:spcPts val="900"/>
               </a:spcBef>
-              <a:defRPr sz="1979"/>
+              <a:defRPr sz="1960"/>
             </a:pPr>
             <a:r>
               <a:t>Der Parameter </a:t>
@@ -13890,7 +14232,7 @@
             </a:r>
           </a:p>
           <a:p>
-            <a:pPr lvl="1" marL="575711" marR="125729" indent="-198521" defTabSz="1287475">
+            <a:pPr lvl="1" marL="569895" marR="124460" indent="-196515" defTabSz="1274470">
               <a:spcBef>
                 <a:spcPts val="900"/>
               </a:spcBef>
@@ -13902,14 +14244,14 @@
               <a:buSzPct val="150000"/>
               <a:buFontTx/>
               <a:buChar char="‣"/>
-              <a:defRPr sz="1979"/>
+              <a:defRPr sz="1960"/>
             </a:pPr>
             <a:r>
-              <a:t>gibt den Unterschied (im Verbrauch) zweier Autos an, die sich um 100 PS unterscheiden</a:t>
-            </a:r>
-          </a:p>
-          <a:p>
-            <a:pPr lvl="1" marL="575711" marR="125729" indent="-198521" defTabSz="1287475">
+              <a:t>gibt den Unterschied (im Verbrauch, Y) zweier Autos an, die sich um 100 PS (eine Einheit von hp100) unterscheiden</a:t>
+            </a:r>
+          </a:p>
+          <a:p>
+            <a:pPr lvl="1" marL="569895" marR="124460" indent="-196515" defTabSz="1274470">
               <a:spcBef>
                 <a:spcPts val="900"/>
               </a:spcBef>
@@ -13921,14 +14263,14 @@
               <a:buSzPct val="150000"/>
               <a:buFontTx/>
               <a:buChar char="‣"/>
-              <a:defRPr sz="1979"/>
+              <a:defRPr sz="1960"/>
             </a:pPr>
             <a:r>
               <a:t>unter der Annahme, dass die übrigen Prädiktoren gleich Null sind.</a:t>
             </a:r>
           </a:p>
           <a:p>
-            <a:pPr lvl="1" marL="575711" marR="125729" indent="-198521" defTabSz="1287475">
+            <a:pPr lvl="1" marL="569895" marR="124460" indent="-196515" defTabSz="1274470">
               <a:spcBef>
                 <a:spcPts val="900"/>
               </a:spcBef>
@@ -13940,18 +14282,18 @@
               <a:buSzPct val="150000"/>
               <a:buFontTx/>
               <a:buChar char="‣"/>
-              <a:defRPr sz="1979"/>
+              <a:defRPr sz="1960"/>
             </a:pPr>
             <a:r>
               <a:t>entspricht der Steigung der Regressionsgeraden.</a:t>
             </a:r>
           </a:p>
           <a:p>
-            <a:pPr marL="314325" marR="125729" indent="-314325" defTabSz="1287475">
+            <a:pPr marL="311150" marR="124460" indent="-311150" defTabSz="1274470">
               <a:spcBef>
                 <a:spcPts val="900"/>
               </a:spcBef>
-              <a:defRPr sz="1979"/>
+              <a:defRPr sz="1960"/>
             </a:pPr>
             <a:r>
               <a:t>Der Parameter </a:t>
@@ -13970,7 +14312,7 @@
             </a:r>
           </a:p>
           <a:p>
-            <a:pPr lvl="1" marL="575711" marR="125729" indent="-198521" defTabSz="1287475">
+            <a:pPr lvl="1" marL="569895" marR="124460" indent="-196515" defTabSz="1274470">
               <a:spcBef>
                 <a:spcPts val="900"/>
               </a:spcBef>
@@ -13982,14 +14324,14 @@
               <a:buSzPct val="150000"/>
               <a:buFontTx/>
               <a:buChar char="‣"/>
-              <a:defRPr sz="1979"/>
+              <a:defRPr sz="1960"/>
             </a:pPr>
             <a:r>
-              <a:t>gibt den Unterschied im Verbrauch zweiter Autos an, die sich um einen Zylinder unterscheiden</a:t>
-            </a:r>
-          </a:p>
-          <a:p>
-            <a:pPr lvl="1" marL="575711" marR="125729" indent="-198521" defTabSz="1287475">
+              <a:t>gibt den Unterschied im Verbrauch (Y) zweiter Autos an, die sich um einen Zylinder unterscheiden</a:t>
+            </a:r>
+          </a:p>
+          <a:p>
+            <a:pPr lvl="1" marL="569895" marR="124460" indent="-196515" defTabSz="1274470">
               <a:spcBef>
                 <a:spcPts val="900"/>
               </a:spcBef>
@@ -14001,18 +14343,18 @@
               <a:buSzPct val="150000"/>
               <a:buFontTx/>
               <a:buChar char="‣"/>
-              <a:defRPr sz="1979"/>
+              <a:defRPr sz="1960"/>
             </a:pPr>
             <a:r>
               <a:t>unter der Annahme, dass die übrigen Prädiktoren gleich Null sind</a:t>
             </a:r>
           </a:p>
           <a:p>
-            <a:pPr marL="314325" marR="125729" indent="-314325" defTabSz="1287475">
+            <a:pPr marL="311150" marR="124460" indent="-311150" defTabSz="1274470">
               <a:spcBef>
                 <a:spcPts val="900"/>
               </a:spcBef>
-              <a:defRPr sz="1979"/>
+              <a:defRPr sz="1960"/>
             </a:pPr>
             <a:r>
               <a:t>Der Parameter </a:t>
@@ -14034,7 +14376,7 @@
             </a:endParaRPr>
           </a:p>
           <a:p>
-            <a:pPr lvl="1" marL="575711" marR="125729" indent="-198521" defTabSz="1287475">
+            <a:pPr lvl="1" marL="569895" marR="124460" indent="-196515" defTabSz="1274470">
               <a:spcBef>
                 <a:spcPts val="900"/>
               </a:spcBef>
@@ -14046,18 +14388,18 @@
               <a:buSzPct val="150000"/>
               <a:buFontTx/>
               <a:buChar char="‣"/>
-              <a:defRPr sz="1979"/>
+              <a:defRPr sz="1960"/>
             </a:pPr>
             <a:r>
               <a:t>gibt den zusätzlichen Unterschied im Parameter hp100 an, wenn man Autos vergleicht, die sich in einem Zylinder unterscheiden.</a:t>
             </a:r>
           </a:p>
           <a:p>
-            <a:pPr marL="314325" marR="125729" indent="-314325" defTabSz="1287475">
+            <a:pPr marL="311150" marR="124460" indent="-311150" defTabSz="1274470">
               <a:spcBef>
                 <a:spcPts val="900"/>
               </a:spcBef>
-              <a:defRPr sz="1979"/>
+              <a:defRPr sz="1960"/>
             </a:pPr>
             <a:r>
               <a:t>Der </a:t>
@@ -14073,7 +14415,7 @@
             </a:r>
           </a:p>
           <a:p>
-            <a:pPr lvl="1" marL="575711" marR="125729" indent="-198521" defTabSz="1287475">
+            <a:pPr lvl="1" marL="569895" marR="124460" indent="-196515" defTabSz="1274470">
               <a:spcBef>
                 <a:spcPts val="900"/>
               </a:spcBef>
@@ -14085,18 +14427,18 @@
               <a:buSzPct val="150000"/>
               <a:buFontTx/>
               <a:buChar char="‣"/>
-              <a:defRPr sz="1979"/>
+              <a:defRPr sz="1960"/>
             </a:pPr>
             <a:r>
               <a:t>gibt den mpg-Wert an für Autos mit 0 PS und 0 Zylindern.</a:t>
             </a:r>
           </a:p>
           <a:p>
-            <a:pPr marL="314325" marR="125729" indent="-314325" defTabSz="1287475">
+            <a:pPr marL="311150" marR="124460" indent="-311150" defTabSz="1274470">
               <a:spcBef>
                 <a:spcPts val="900"/>
               </a:spcBef>
-              <a:defRPr sz="1979"/>
+              <a:defRPr sz="1960"/>
             </a:pPr>
             <a:r>
               <a:t>Der </a:t>
@@ -14130,7 +14472,7 @@
       </p:sp>
       <p:sp>
         <p:nvSpPr>
-          <p:cNvPr id="468" name="Foliennummer"/>
+          <p:cNvPr id="469" name="Foliennummer"/>
           <p:cNvSpPr txBox="1"/>
           <p:nvPr>
             <p:ph type="sldNum" sz="quarter" idx="2"/>
@@ -14157,7 +14499,7 @@
       </p:sp>
       <p:pic>
         <p:nvPicPr>
-          <p:cNvPr id="469" name="Bild" descr="Bild"/>
+          <p:cNvPr id="470" name="Bild" descr="Bild"/>
           <p:cNvPicPr>
             <a:picLocks noChangeAspect="1"/>
           </p:cNvPicPr>
@@ -14186,7 +14528,7 @@
       </p:pic>
       <p:pic>
         <p:nvPicPr>
-          <p:cNvPr id="470" name="Bild" descr="Bild"/>
+          <p:cNvPr id="471" name="Bild" descr="Bild"/>
           <p:cNvPicPr>
             <a:picLocks noChangeAspect="1"/>
           </p:cNvPicPr>
@@ -14241,7 +14583,7 @@
       </p:grpSpPr>
       <p:sp>
         <p:nvSpPr>
-          <p:cNvPr id="472" name="mtcars-Interaktionsmodell vereinfacht"/>
+          <p:cNvPr id="473" name="mtcars-Interaktionsmodell vereinfacht"/>
           <p:cNvSpPr txBox="1"/>
           <p:nvPr>
             <p:ph type="body" sz="quarter" idx="1"/>
@@ -14265,7 +14607,7 @@
       </p:sp>
       <p:sp>
         <p:nvSpPr>
-          <p:cNvPr id="473" name="Textebene 1"/>
+          <p:cNvPr id="474" name="Textebene 1"/>
           <p:cNvSpPr txBox="1"/>
           <p:nvPr>
             <p:ph type="body" idx="21"/>
@@ -14287,7 +14629,7 @@
           <a:p>
             <a:pPr/>
             <a:r>
-              <a:t>Der Einfachheit halber betrachten wir hier nur Autos mit 4 oder mit 8 Zylindern.</a:t>
+              <a:t>Der Einfachheit halber betrachten wir hier nur Autos mit 4 oder mit 8 Zylindern (also nur 2 Gruppen, nicht 3).</a:t>
             </a:r>
           </a:p>
           <a:p>
@@ -14359,14 +14701,14 @@
               <a:t>cyl8</a:t>
             </a:r>
             <a:r>
-              <a:t>: Autos mit mittlerer PS-Zahl und 8 Zylindern haben im Schnitt eine um ca. 4 Meilen (3.45) geringere Reichweite (als Autos mit 4 Zylindern und mittlerer PS-Zahl)</a:t>
-            </a:r>
-          </a:p>
-        </p:txBody>
-      </p:sp>
-      <p:sp>
-        <p:nvSpPr>
-          <p:cNvPr id="474" name="Foliennummer"/>
+              <a:t>: Autos mit mittlerer PS-Zahl und 8 Zylindern haben im Schnitt eine um ca. 4 Meilen (3.45) geringere Reichweite (als Autos mit 4 Zylindern und mittlerer PS-Zahl).</a:t>
+            </a:r>
+          </a:p>
+        </p:txBody>
+      </p:sp>
+      <p:sp>
+        <p:nvSpPr>
+          <p:cNvPr id="475" name="Foliennummer"/>
           <p:cNvSpPr txBox="1"/>
           <p:nvPr>
             <p:ph type="sldNum" sz="quarter" idx="2"/>
@@ -14393,7 +14735,7 @@
       </p:sp>
       <p:pic>
         <p:nvPicPr>
-          <p:cNvPr id="475" name="Bild" descr="Bild"/>
+          <p:cNvPr id="476" name="Bild" descr="Bild"/>
           <p:cNvPicPr>
             <a:picLocks noChangeAspect="1"/>
           </p:cNvPicPr>
@@ -14422,7 +14764,7 @@
       </p:pic>
       <p:pic>
         <p:nvPicPr>
-          <p:cNvPr id="476" name="Bild" descr="Bild"/>
+          <p:cNvPr id="477" name="Bild" descr="Bild"/>
           <p:cNvPicPr>
             <a:picLocks noChangeAspect="1"/>
           </p:cNvPicPr>
@@ -14438,7 +14780,7 @@
         </p:blipFill>
         <p:spPr>
           <a:xfrm>
-            <a:off x="6559550" y="6750050"/>
+            <a:off x="6216650" y="6838950"/>
             <a:ext cx="2633411" cy="2311644"/>
           </a:xfrm>
           <a:prstGeom prst="rect">
@@ -14477,7 +14819,7 @@
       </p:grpSpPr>
       <p:sp>
         <p:nvSpPr>
-          <p:cNvPr id="478" name="Prädiktorenrelevanz"/>
+          <p:cNvPr id="479" name="Prädiktorenrelevanz"/>
           <p:cNvSpPr txBox="1"/>
           <p:nvPr>
             <p:ph type="title"/>
@@ -14501,7 +14843,7 @@
       </p:sp>
       <p:sp>
         <p:nvSpPr>
-          <p:cNvPr id="479" name="Foliennummer"/>
+          <p:cNvPr id="480" name="Foliennummer"/>
           <p:cNvSpPr txBox="1"/>
           <p:nvPr>
             <p:ph type="sldNum" sz="quarter" idx="2"/>
@@ -14554,7 +14896,7 @@
       </p:grpSpPr>
       <p:sp>
         <p:nvSpPr>
-          <p:cNvPr id="481" name="Woher weiß man, welcher Prädiktor am wichtigsten ist?"/>
+          <p:cNvPr id="482" name="Woher weiß man, welcher Prädiktor am wichtigsten ist?"/>
           <p:cNvSpPr txBox="1"/>
           <p:nvPr>
             <p:ph type="body" sz="quarter" idx="1"/>
@@ -14582,7 +14924,7 @@
       </p:sp>
       <p:sp>
         <p:nvSpPr>
-          <p:cNvPr id="482" name="Textebene 1"/>
+          <p:cNvPr id="483" name="Textebene 1"/>
           <p:cNvSpPr txBox="1"/>
           <p:nvPr>
             <p:ph type="body" idx="21"/>
@@ -14729,7 +15071,7 @@
       </p:sp>
       <p:sp>
         <p:nvSpPr>
-          <p:cNvPr id="483" name="Foliennummer"/>
+          <p:cNvPr id="484" name="Foliennummer"/>
           <p:cNvSpPr txBox="1"/>
           <p:nvPr>
             <p:ph type="sldNum" sz="quarter" idx="2"/>
@@ -14756,7 +15098,7 @@
       </p:sp>
       <p:sp>
         <p:nvSpPr>
-          <p:cNvPr id="484" name="Gleichung"/>
+          <p:cNvPr id="485" name="Gleichung"/>
           <p:cNvSpPr txBox="1"/>
           <p:nvPr/>
         </p:nvSpPr>
@@ -15176,13 +15518,17 @@
       </p:grpSpPr>
       <p:sp>
         <p:nvSpPr>
-          <p:cNvPr id="486" name="Textebene 1"/>
+          <p:cNvPr id="487" name="Textebene 1"/>
           <p:cNvSpPr txBox="1"/>
           <p:nvPr>
             <p:ph type="body" idx="21"/>
           </p:nvPr>
         </p:nvSpPr>
         <p:spPr>
+          <a:xfrm>
+            <a:off x="6238180" y="1905000"/>
+            <a:ext cx="6760469" cy="6727843"/>
+          </a:xfrm>
           <a:prstGeom prst="rect">
             <a:avLst/>
           </a:prstGeom>
@@ -15216,7 +15562,19 @@
           <a:p>
             <a:pPr/>
             <a:r>
-              <a:t>Der Koeffizient für mom_iq_z gibt an, um wie viele SD-Einheiten sich </a:t>
+              <a:t>Der Koeffizient für mom_iq_z gibt an, um wie viele </a:t>
+            </a:r>
+            <a:r>
+              <a:rPr>
+                <a:latin typeface="Roboto Condensed Bold"/>
+                <a:ea typeface="Roboto Condensed Bold"/>
+                <a:cs typeface="Roboto Condensed Bold"/>
+                <a:sym typeface="Roboto Condensed Bold"/>
+              </a:rPr>
+              <a:t>SD-Einheiten</a:t>
+            </a:r>
+            <a:r>
+              <a:t> sich </a:t>
             </a:r>
             <a:r>
               <a:rPr>
@@ -15288,7 +15646,7 @@
           <a:p>
             <a:pPr/>
             <a:r>
-              <a:t>Jetzt sind die Prädiktoren in ihrer Relevanz (Zusammenhang mit der AV) vergleichbar.</a:t>
+              <a:t>Jetzt sind die Prädiktoren in ihrer Relevanz (Zusammenhang mit der AV) vergleichbar, da ihre Streuung gleich ist.</a:t>
             </a:r>
           </a:p>
           <a:p>
@@ -15300,20 +15658,29 @@
           <a:p>
             <a:pPr/>
             <a:r>
-              <a:t>Der Wertebereich der Koeffizienten wird dadurch homogenisiert.</a:t>
-            </a:r>
-          </a:p>
-          <a:p>
-            <a:pPr/>
-            <a:r>
-              <a:t>Eine z-Standardisierung der Prädiktoren ist oft nützlich.</a:t>
-            </a:r>
-          </a:p>
-        </p:txBody>
-      </p:sp>
-      <p:sp>
-        <p:nvSpPr>
-          <p:cNvPr id="487" name="Modell mit z-standardisierten Prädiktoren"/>
+              <a:t>Der Wertebereich der Koeffizienten wird durch die z-Transformation homogenisiert.</a:t>
+            </a:r>
+          </a:p>
+          <a:p>
+            <a:pPr/>
+            <a:r>
+              <a:t>Eine z-Standardisierung der Prädiktoren ist daher </a:t>
+            </a:r>
+            <a:r>
+              <a:rPr>
+                <a:latin typeface="Roboto Condensed Bold"/>
+                <a:ea typeface="Roboto Condensed Bold"/>
+                <a:cs typeface="Roboto Condensed Bold"/>
+                <a:sym typeface="Roboto Condensed Bold"/>
+              </a:rPr>
+              <a:t>oft nützlich.</a:t>
+            </a:r>
+          </a:p>
+        </p:txBody>
+      </p:sp>
+      <p:sp>
+        <p:nvSpPr>
+          <p:cNvPr id="488" name="Modell mit z-standardisierten Prädiktoren"/>
           <p:cNvSpPr txBox="1"/>
           <p:nvPr>
             <p:ph type="body" sz="quarter" idx="1"/>
@@ -15337,7 +15704,7 @@
       </p:sp>
       <p:sp>
         <p:nvSpPr>
-          <p:cNvPr id="488" name="Foliennummer"/>
+          <p:cNvPr id="489" name="Foliennummer"/>
           <p:cNvSpPr txBox="1"/>
           <p:nvPr>
             <p:ph type="sldNum" sz="quarter" idx="2"/>
@@ -15364,7 +15731,7 @@
       </p:sp>
       <p:pic>
         <p:nvPicPr>
-          <p:cNvPr id="489" name="Bild" descr="Bild"/>
+          <p:cNvPr id="490" name="Bild" descr="Bild"/>
           <p:cNvPicPr>
             <a:picLocks noChangeAspect="1"/>
           </p:cNvPicPr>
@@ -15380,7 +15747,7 @@
         </p:blipFill>
         <p:spPr>
           <a:xfrm>
-            <a:off x="1460500" y="1898650"/>
+            <a:off x="1460500" y="2266950"/>
             <a:ext cx="3213889" cy="3896841"/>
           </a:xfrm>
           <a:prstGeom prst="rect">
@@ -15393,13 +15760,13 @@
       </p:pic>
       <p:sp>
         <p:nvSpPr>
-          <p:cNvPr id="490" name="m6: kid_score ~ mom_iq_z + mom_age_z"/>
+          <p:cNvPr id="491" name="m6: kid_score ~ mom_iq_z + mom_age_z"/>
           <p:cNvSpPr txBox="1"/>
           <p:nvPr/>
         </p:nvSpPr>
         <p:spPr>
           <a:xfrm>
-            <a:off x="6189094" y="8507476"/>
+            <a:off x="6189094" y="8764791"/>
             <a:ext cx="5757040" cy="434847"/>
           </a:xfrm>
           <a:prstGeom prst="rect">
@@ -15438,7 +15805,7 @@
       </p:sp>
       <p:pic>
         <p:nvPicPr>
-          <p:cNvPr id="491" name="Bild" descr="Bild"/>
+          <p:cNvPr id="492" name="Bild" descr="Bild"/>
           <p:cNvPicPr>
             <a:picLocks noChangeAspect="1"/>
           </p:cNvPicPr>
@@ -15454,8 +15821,8 @@
         </p:blipFill>
         <p:spPr>
           <a:xfrm>
-            <a:off x="1206500" y="5892800"/>
-            <a:ext cx="3987800" cy="3048000"/>
+            <a:off x="1270000" y="6305282"/>
+            <a:ext cx="3987800" cy="3048001"/>
           </a:xfrm>
           <a:prstGeom prst="rect">
             <a:avLst/>
@@ -15465,6 +15832,46 @@
           </a:ln>
         </p:spPr>
       </p:pic>
+      <p:sp>
+        <p:nvSpPr>
+          <p:cNvPr id="493" name="Verteilung der z-transformierten Prädiktoren"/>
+          <p:cNvSpPr txBox="1"/>
+          <p:nvPr/>
+        </p:nvSpPr>
+        <p:spPr>
+          <a:xfrm>
+            <a:off x="1171339" y="2048363"/>
+            <a:ext cx="3792211" cy="371347"/>
+          </a:xfrm>
+          <a:prstGeom prst="rect">
+            <a:avLst/>
+          </a:prstGeom>
+          <a:ln w="12700">
+            <a:miter lim="400000"/>
+          </a:ln>
+          <a:extLst>
+            <a:ext uri="{C572A759-6A51-4108-AA02-DFA0A04FC94B}">
+              <ma14:wrappingTextBoxFlag xmlns:ma14="http://schemas.microsoft.com/office/mac/drawingml/2011/main" val="1"/>
+            </a:ext>
+          </a:extLst>
+        </p:spPr>
+        <p:txBody>
+          <a:bodyPr wrap="none" lIns="65022" tIns="65022" rIns="65022" bIns="65022">
+            <a:spAutoFit/>
+          </a:bodyPr>
+          <a:lstStyle>
+            <a:lvl1pPr>
+              <a:defRPr sz="1600"/>
+            </a:lvl1pPr>
+          </a:lstStyle>
+          <a:p>
+            <a:pPr/>
+            <a:r>
+              <a:t>Verteilung der z-transformierten Prädiktoren</a:t>
+            </a:r>
+          </a:p>
+        </p:txBody>
+      </p:sp>
     </p:spTree>
   </p:cSld>
   <p:clrMapOvr>
@@ -15493,7 +15900,7 @@
       </p:grpSpPr>
       <p:sp>
         <p:nvSpPr>
-          <p:cNvPr id="493" name="Foliennummer"/>
+          <p:cNvPr id="495" name="Foliennummer"/>
           <p:cNvSpPr txBox="1"/>
           <p:nvPr>
             <p:ph type="sldNum" sz="quarter" idx="2"/>
@@ -15524,7 +15931,7 @@
       </p:sp>
       <p:sp>
         <p:nvSpPr>
-          <p:cNvPr id="494" name="Abschluss"/>
+          <p:cNvPr id="496" name="Abschluss"/>
           <p:cNvSpPr txBox="1"/>
           <p:nvPr>
             <p:ph type="title"/>
@@ -15574,7 +15981,7 @@
       </p:grpSpPr>
       <p:sp>
         <p:nvSpPr>
-          <p:cNvPr id="496" name="Foliennummer"/>
+          <p:cNvPr id="498" name="Foliennummer"/>
           <p:cNvSpPr txBox="1"/>
           <p:nvPr>
             <p:ph type="sldNum" sz="quarter" idx="2"/>
@@ -15605,7 +16012,7 @@
       </p:sp>
       <p:sp>
         <p:nvSpPr>
-          <p:cNvPr id="497" name="Hinweise"/>
+          <p:cNvPr id="499" name="Hinweise"/>
           <p:cNvSpPr txBox="1"/>
           <p:nvPr>
             <p:ph type="body" sz="quarter" idx="1"/>
@@ -15633,7 +16040,7 @@
       </p:sp>
       <p:sp>
         <p:nvSpPr>
-          <p:cNvPr id="498" name="Dieses Dokument steht unter der Lizenz CC-BY 3.0.…"/>
+          <p:cNvPr id="500" name="Dieses Dokument steht unter der Lizenz CC-BY 3.0.…"/>
           <p:cNvSpPr txBox="1"/>
           <p:nvPr>
             <p:ph type="body" idx="21"/>
@@ -17235,7 +17642,7 @@
         <p:spPr>
           <a:xfrm>
             <a:off x="6332293" y="8177025"/>
-            <a:ext cx="5689525" cy="534216"/>
+            <a:ext cx="5689525" cy="534217"/>
           </a:xfrm>
           <a:prstGeom prst="rect">
             <a:avLst/>
@@ -17365,7 +17772,7 @@
         <p:spPr>
           <a:xfrm>
             <a:off x="667360" y="2061490"/>
-            <a:ext cx="4552340" cy="6828511"/>
+            <a:ext cx="4552340" cy="6828510"/>
           </a:xfrm>
           <a:prstGeom prst="rect">
             <a:avLst/>
